--- a/Nataliia Sheludiakova/HW5/HW5_Test Design Techniques_Nataliia_Sheludiakova.pptx
+++ b/Nataliia Sheludiakova/HW5/HW5_Test Design Techniques_Nataliia_Sheludiakova.pptx
@@ -5,10 +5,10 @@
     <p:sldMasterId id="2147483648" r:id="rId1"/>
   </p:sldMasterIdLst>
   <p:notesMasterIdLst>
-    <p:notesMasterId r:id="rId11"/>
+    <p:notesMasterId r:id="rId12"/>
   </p:notesMasterIdLst>
   <p:handoutMasterIdLst>
-    <p:handoutMasterId r:id="rId12"/>
+    <p:handoutMasterId r:id="rId13"/>
   </p:handoutMasterIdLst>
   <p:sldIdLst>
     <p:sldId id="577" r:id="rId2"/>
@@ -16,10 +16,11 @@
     <p:sldId id="595" r:id="rId4"/>
     <p:sldId id="620" r:id="rId5"/>
     <p:sldId id="656" r:id="rId6"/>
-    <p:sldId id="657" r:id="rId7"/>
+    <p:sldId id="661" r:id="rId7"/>
     <p:sldId id="658" r:id="rId8"/>
     <p:sldId id="659" r:id="rId9"/>
-    <p:sldId id="654" r:id="rId10"/>
+    <p:sldId id="660" r:id="rId10"/>
+    <p:sldId id="654" r:id="rId11"/>
   </p:sldIdLst>
   <p:sldSz cx="9144000" cy="6858000" type="screen4x3"/>
   <p:notesSz cx="7010400" cy="9296400"/>
@@ -120,7 +121,7 @@
   </p:defaultTextStyle>
   <p:extLst>
     <p:ext uri="{EFAFB233-063F-42B5-8137-9DF3F51BA10A}">
-      <p15:sldGuideLst xmlns="" xmlns:p15="http://schemas.microsoft.com/office/powerpoint/2012/main">
+      <p15:sldGuideLst xmlns:p15="http://schemas.microsoft.com/office/powerpoint/2012/main" xmlns="">
         <p15:guide id="1" orient="horz" pos="2160">
           <p15:clr>
             <a:srgbClr val="A4A3A4"/>
@@ -134,7 +135,7 @@
       </p15:sldGuideLst>
     </p:ext>
     <p:ext uri="{2D200454-40CA-4A62-9FC3-DE9A4176ACB9}">
-      <p15:notesGuideLst xmlns="" xmlns:p15="http://schemas.microsoft.com/office/powerpoint/2012/main">
+      <p15:notesGuideLst xmlns:p15="http://schemas.microsoft.com/office/powerpoint/2012/main" xmlns="">
         <p15:guide id="1" orient="horz" pos="2928">
           <p15:clr>
             <a:srgbClr val="A4A3A4"/>
@@ -233,7 +234,7 @@
           <a:p>
             <a:fld id="{AEDB6DF3-FA61-45CB-BE27-053A00556DB1}" type="datetimeFigureOut">
               <a:rPr lang="en-US" smtClean="0"/>
-              <a:t>1/31/2016</a:t>
+              <a:t>2/6/2016</a:t>
             </a:fld>
             <a:endParaRPr lang="en-US"/>
           </a:p>
@@ -404,7 +405,7 @@
             <a:fld id="{F89C4D45-EFF8-479D-AF6F-9BB9BF232254}" type="datetimeFigureOut">
               <a:rPr lang="en-US" smtClean="0"/>
               <a:pPr/>
-              <a:t>1/31/2016</a:t>
+              <a:t>2/6/2016</a:t>
             </a:fld>
             <a:endParaRPr lang="en-US"/>
           </a:p>
@@ -1116,7 +1117,7 @@
     </p:spTree>
     <p:extLst>
       <p:ext uri="{BB962C8B-B14F-4D97-AF65-F5344CB8AC3E}">
-        <p14:creationId xmlns:p14="http://schemas.microsoft.com/office/powerpoint/2010/main" val="1608688452"/>
+        <p14:creationId xmlns:p14="http://schemas.microsoft.com/office/powerpoint/2010/main" val="727134966"/>
       </p:ext>
     </p:extLst>
   </p:cSld>
@@ -1432,6 +1433,114 @@
               <a:rPr lang="en-US" smtClean="0"/>
               <a:pPr/>
               <a:t>9</a:t>
+            </a:fld>
+            <a:endParaRPr lang="en-US"/>
+          </a:p>
+        </p:txBody>
+      </p:sp>
+    </p:spTree>
+    <p:extLst>
+      <p:ext uri="{BB962C8B-B14F-4D97-AF65-F5344CB8AC3E}">
+        <p14:creationId xmlns:p14="http://schemas.microsoft.com/office/powerpoint/2010/main" val="720045722"/>
+      </p:ext>
+    </p:extLst>
+  </p:cSld>
+  <p:clrMapOvr>
+    <a:masterClrMapping/>
+  </p:clrMapOvr>
+</p:notes>
+</file>
+
+<file path=ppt/notesSlides/notesSlide8.xml><?xml version="1.0" encoding="utf-8"?>
+<p:notes xmlns:a="http://schemas.openxmlformats.org/drawingml/2006/main" xmlns:r="http://schemas.openxmlformats.org/officeDocument/2006/relationships" xmlns:p="http://schemas.openxmlformats.org/presentationml/2006/main">
+  <p:cSld>
+    <p:spTree>
+      <p:nvGrpSpPr>
+        <p:cNvPr id="1" name=""/>
+        <p:cNvGrpSpPr/>
+        <p:nvPr/>
+      </p:nvGrpSpPr>
+      <p:grpSpPr>
+        <a:xfrm>
+          <a:off x="0" y="0"/>
+          <a:ext cx="0" cy="0"/>
+          <a:chOff x="0" y="0"/>
+          <a:chExt cx="0" cy="0"/>
+        </a:xfrm>
+      </p:grpSpPr>
+      <p:sp>
+        <p:nvSpPr>
+          <p:cNvPr id="2" name="Slide Image Placeholder 1"/>
+          <p:cNvSpPr>
+            <a:spLocks noGrp="1" noRot="1" noChangeAspect="1"/>
+          </p:cNvSpPr>
+          <p:nvPr>
+            <p:ph type="sldImg"/>
+          </p:nvPr>
+        </p:nvSpPr>
+        <p:spPr/>
+      </p:sp>
+      <p:sp>
+        <p:nvSpPr>
+          <p:cNvPr id="3" name="Notes Placeholder 2"/>
+          <p:cNvSpPr>
+            <a:spLocks noGrp="1"/>
+          </p:cNvSpPr>
+          <p:nvPr>
+            <p:ph type="body" idx="1"/>
+          </p:nvPr>
+        </p:nvSpPr>
+        <p:spPr/>
+        <p:txBody>
+          <a:bodyPr/>
+          <a:lstStyle/>
+          <a:p>
+            <a:endParaRPr lang="en-US" dirty="0"/>
+          </a:p>
+        </p:txBody>
+      </p:sp>
+      <p:sp>
+        <p:nvSpPr>
+          <p:cNvPr id="4" name="Footer Placeholder 3"/>
+          <p:cNvSpPr>
+            <a:spLocks noGrp="1"/>
+          </p:cNvSpPr>
+          <p:nvPr>
+            <p:ph type="ftr" sz="quarter" idx="10"/>
+          </p:nvPr>
+        </p:nvSpPr>
+        <p:spPr/>
+        <p:txBody>
+          <a:bodyPr/>
+          <a:lstStyle/>
+          <a:p>
+            <a:r>
+              <a:rPr lang="en-US" smtClean="0"/>
+              <a:t>jksdksd jh jhfkjhfsd</a:t>
+            </a:r>
+            <a:endParaRPr lang="en-US"/>
+          </a:p>
+        </p:txBody>
+      </p:sp>
+      <p:sp>
+        <p:nvSpPr>
+          <p:cNvPr id="5" name="Slide Number Placeholder 4"/>
+          <p:cNvSpPr>
+            <a:spLocks noGrp="1"/>
+          </p:cNvSpPr>
+          <p:nvPr>
+            <p:ph type="sldNum" sz="quarter" idx="11"/>
+          </p:nvPr>
+        </p:nvSpPr>
+        <p:spPr/>
+        <p:txBody>
+          <a:bodyPr/>
+          <a:lstStyle/>
+          <a:p>
+            <a:fld id="{0B208339-1CDE-4508-95CE-C65DBDC3BF13}" type="slidenum">
+              <a:rPr lang="en-US" smtClean="0"/>
+              <a:pPr/>
+              <a:t>10</a:t>
             </a:fld>
             <a:endParaRPr lang="en-US"/>
           </a:p>
@@ -5179,6 +5288,393 @@
     <p:extLst>
       <p:ext uri="{BB962C8B-B14F-4D97-AF65-F5344CB8AC3E}">
         <p14:creationId xmlns:p14="http://schemas.microsoft.com/office/powerpoint/2010/main" val="1471186847"/>
+      </p:ext>
+    </p:extLst>
+  </p:cSld>
+  <p:clrMapOvr>
+    <a:masterClrMapping/>
+  </p:clrMapOvr>
+  <p:timing>
+    <p:tnLst>
+      <p:par>
+        <p:cTn id="1" dur="indefinite" restart="never" nodeType="tmRoot"/>
+      </p:par>
+    </p:tnLst>
+  </p:timing>
+</p:sld>
+</file>
+
+<file path=ppt/slides/slide10.xml><?xml version="1.0" encoding="utf-8"?>
+<p:sld xmlns:a="http://schemas.openxmlformats.org/drawingml/2006/main" xmlns:r="http://schemas.openxmlformats.org/officeDocument/2006/relationships" xmlns:p="http://schemas.openxmlformats.org/presentationml/2006/main">
+  <p:cSld>
+    <p:spTree>
+      <p:nvGrpSpPr>
+        <p:cNvPr id="1" name=""/>
+        <p:cNvGrpSpPr/>
+        <p:nvPr/>
+      </p:nvGrpSpPr>
+      <p:grpSpPr>
+        <a:xfrm>
+          <a:off x="0" y="0"/>
+          <a:ext cx="0" cy="0"/>
+          <a:chOff x="0" y="0"/>
+          <a:chExt cx="0" cy="0"/>
+        </a:xfrm>
+      </p:grpSpPr>
+      <p:sp>
+        <p:nvSpPr>
+          <p:cNvPr id="2" name="Title 1"/>
+          <p:cNvSpPr>
+            <a:spLocks noGrp="1"/>
+          </p:cNvSpPr>
+          <p:nvPr>
+            <p:ph type="ctrTitle"/>
+          </p:nvPr>
+        </p:nvSpPr>
+        <p:spPr/>
+        <p:txBody>
+          <a:bodyPr/>
+          <a:lstStyle/>
+          <a:p>
+            <a:r>
+              <a:rPr lang="en-US" smtClean="0"/>
+              <a:t>Thank you</a:t>
+            </a:r>
+            <a:endParaRPr lang="uk-UA"/>
+          </a:p>
+        </p:txBody>
+      </p:sp>
+      <p:sp>
+        <p:nvSpPr>
+          <p:cNvPr id="3" name="Text Placeholder 2"/>
+          <p:cNvSpPr>
+            <a:spLocks noGrp="1"/>
+          </p:cNvSpPr>
+          <p:nvPr>
+            <p:ph type="body" sz="quarter" idx="13"/>
+          </p:nvPr>
+        </p:nvSpPr>
+        <p:spPr>
+          <a:xfrm>
+            <a:off x="6934200" y="5105400"/>
+            <a:ext cx="1805709" cy="1676400"/>
+          </a:xfrm>
+        </p:spPr>
+        <p:txBody>
+          <a:bodyPr>
+            <a:normAutofit fontScale="92500" lnSpcReduction="10000"/>
+          </a:bodyPr>
+          <a:lstStyle/>
+          <a:p>
+            <a:pPr>
+              <a:lnSpc>
+                <a:spcPct val="120000"/>
+              </a:lnSpc>
+            </a:pPr>
+            <a:r>
+              <a:rPr lang="en-US" sz="1300" b="1" dirty="0"/>
+              <a:t>USA TELEPHONE</a:t>
+            </a:r>
+            <a:endParaRPr lang="uk-UA" sz="1300" b="1" dirty="0"/>
+          </a:p>
+          <a:p>
+            <a:pPr>
+              <a:lnSpc>
+                <a:spcPct val="120000"/>
+              </a:lnSpc>
+            </a:pPr>
+            <a:r>
+              <a:rPr lang="en-US" dirty="0"/>
+              <a:t>Toll-Free: 866.687.3588</a:t>
+            </a:r>
+            <a:endParaRPr lang="uk-UA" dirty="0"/>
+          </a:p>
+          <a:p>
+            <a:pPr>
+              <a:lnSpc>
+                <a:spcPct val="120000"/>
+              </a:lnSpc>
+            </a:pPr>
+            <a:r>
+              <a:rPr lang="en-US" dirty="0"/>
+              <a:t>Office: </a:t>
+            </a:r>
+            <a:r>
+              <a:rPr lang="en-US" dirty="0" smtClean="0"/>
+              <a:t>239.690.3111</a:t>
+            </a:r>
+          </a:p>
+          <a:p>
+            <a:endParaRPr lang="en-US" dirty="0" smtClean="0"/>
+          </a:p>
+          <a:p>
+            <a:pPr>
+              <a:lnSpc>
+                <a:spcPct val="110000"/>
+              </a:lnSpc>
+            </a:pPr>
+            <a:r>
+              <a:rPr lang="en-US" sz="1300" b="1" dirty="0"/>
+              <a:t>UK TELEPHONE</a:t>
+            </a:r>
+          </a:p>
+          <a:p>
+            <a:pPr>
+              <a:lnSpc>
+                <a:spcPct val="110000"/>
+              </a:lnSpc>
+            </a:pPr>
+            <a:r>
+              <a:rPr lang="en-US" dirty="0"/>
+              <a:t>Tel: </a:t>
+            </a:r>
+            <a:r>
+              <a:rPr lang="en-US" dirty="0" smtClean="0"/>
+              <a:t>0207.544.8414</a:t>
+            </a:r>
+          </a:p>
+          <a:p>
+            <a:endParaRPr lang="en-US" dirty="0"/>
+          </a:p>
+          <a:p>
+            <a:pPr>
+              <a:lnSpc>
+                <a:spcPct val="110000"/>
+              </a:lnSpc>
+            </a:pPr>
+            <a:r>
+              <a:rPr lang="en-US" sz="1300" b="1" dirty="0" smtClean="0"/>
+              <a:t>GERMAN </a:t>
+            </a:r>
+            <a:r>
+              <a:rPr lang="en-US" sz="1300" b="1" dirty="0"/>
+              <a:t>TELEPHONE </a:t>
+            </a:r>
+          </a:p>
+          <a:p>
+            <a:pPr>
+              <a:lnSpc>
+                <a:spcPct val="110000"/>
+              </a:lnSpc>
+            </a:pPr>
+            <a:r>
+              <a:rPr lang="en-US" dirty="0"/>
+              <a:t>Tel: 0692.602.5857</a:t>
+            </a:r>
+          </a:p>
+          <a:p>
+            <a:endParaRPr lang="uk-UA" dirty="0"/>
+          </a:p>
+          <a:p>
+            <a:endParaRPr lang="uk-UA" dirty="0"/>
+          </a:p>
+        </p:txBody>
+      </p:sp>
+      <p:sp>
+        <p:nvSpPr>
+          <p:cNvPr id="4" name="Text Placeholder 3"/>
+          <p:cNvSpPr>
+            <a:spLocks noGrp="1"/>
+          </p:cNvSpPr>
+          <p:nvPr>
+            <p:ph type="body" sz="quarter" idx="14"/>
+          </p:nvPr>
+        </p:nvSpPr>
+        <p:spPr>
+          <a:xfrm>
+            <a:off x="4775200" y="5105400"/>
+            <a:ext cx="1805709" cy="1295400"/>
+          </a:xfrm>
+        </p:spPr>
+        <p:txBody>
+          <a:bodyPr/>
+          <a:lstStyle/>
+          <a:p>
+            <a:r>
+              <a:rPr lang="en-US" b="1" dirty="0"/>
+              <a:t>EMAIL</a:t>
+            </a:r>
+            <a:endParaRPr lang="uk-UA" b="1" dirty="0"/>
+          </a:p>
+          <a:p>
+            <a:r>
+              <a:rPr lang="en-US" sz="1100" u="sng" dirty="0">
+                <a:hlinkClick r:id="rId3"/>
+              </a:rPr>
+              <a:t>info@softserveinc.com</a:t>
+            </a:r>
+            <a:endParaRPr lang="uk-UA" sz="1100" dirty="0"/>
+          </a:p>
+          <a:p>
+            <a:r>
+              <a:rPr lang="en-US" dirty="0"/>
+              <a:t> </a:t>
+            </a:r>
+            <a:endParaRPr lang="uk-UA" dirty="0"/>
+          </a:p>
+          <a:p>
+            <a:r>
+              <a:rPr lang="en-US" b="1" dirty="0"/>
+              <a:t>WEBSITE:</a:t>
+            </a:r>
+            <a:endParaRPr lang="uk-UA" b="1" dirty="0"/>
+          </a:p>
+          <a:p>
+            <a:r>
+              <a:rPr lang="en-US" sz="1100" u="sng" dirty="0">
+                <a:hlinkClick r:id="rId4"/>
+              </a:rPr>
+              <a:t>www.softserveinc.com</a:t>
+            </a:r>
+            <a:r>
+              <a:rPr lang="en-US" sz="1100" dirty="0">
+                <a:hlinkClick r:id="rId4"/>
+              </a:rPr>
+              <a:t> </a:t>
+            </a:r>
+            <a:endParaRPr lang="uk-UA" sz="1100" dirty="0"/>
+          </a:p>
+          <a:p>
+            <a:endParaRPr lang="uk-UA" dirty="0"/>
+          </a:p>
+        </p:txBody>
+      </p:sp>
+      <p:sp>
+        <p:nvSpPr>
+          <p:cNvPr id="5" name="Text Placeholder 4"/>
+          <p:cNvSpPr>
+            <a:spLocks noGrp="1"/>
+          </p:cNvSpPr>
+          <p:nvPr>
+            <p:ph type="body" sz="quarter" idx="15"/>
+          </p:nvPr>
+        </p:nvSpPr>
+        <p:spPr>
+          <a:xfrm>
+            <a:off x="2616200" y="5105400"/>
+            <a:ext cx="1805709" cy="1295400"/>
+          </a:xfrm>
+        </p:spPr>
+        <p:txBody>
+          <a:bodyPr/>
+          <a:lstStyle/>
+          <a:p>
+            <a:r>
+              <a:rPr lang="en-US" b="1" dirty="0"/>
+              <a:t>EUROPE OFFICES</a:t>
+            </a:r>
+            <a:endParaRPr lang="uk-UA" b="1" dirty="0"/>
+          </a:p>
+          <a:p>
+            <a:r>
+              <a:rPr lang="en-US" sz="1100" dirty="0"/>
+              <a:t>United Kingdom</a:t>
+            </a:r>
+            <a:endParaRPr lang="uk-UA" sz="1100" dirty="0"/>
+          </a:p>
+          <a:p>
+            <a:r>
+              <a:rPr lang="en-US" sz="1100" dirty="0"/>
+              <a:t>Germany</a:t>
+            </a:r>
+            <a:endParaRPr lang="uk-UA" sz="1100" dirty="0"/>
+          </a:p>
+          <a:p>
+            <a:r>
+              <a:rPr lang="en-US" sz="1100" dirty="0"/>
+              <a:t>The Netherlands</a:t>
+            </a:r>
+            <a:endParaRPr lang="uk-UA" sz="1100" dirty="0"/>
+          </a:p>
+          <a:p>
+            <a:r>
+              <a:rPr lang="en-US" sz="1100" dirty="0"/>
+              <a:t>Ukraine</a:t>
+            </a:r>
+            <a:endParaRPr lang="uk-UA" sz="1100" dirty="0"/>
+          </a:p>
+          <a:p>
+            <a:r>
+              <a:rPr lang="en-US" sz="1100" dirty="0"/>
+              <a:t>Bulgaria</a:t>
+            </a:r>
+            <a:endParaRPr lang="uk-UA" sz="1100" dirty="0"/>
+          </a:p>
+          <a:p>
+            <a:endParaRPr lang="uk-UA" dirty="0"/>
+          </a:p>
+        </p:txBody>
+      </p:sp>
+      <p:sp>
+        <p:nvSpPr>
+          <p:cNvPr id="6" name="Text Placeholder 5"/>
+          <p:cNvSpPr>
+            <a:spLocks noGrp="1"/>
+          </p:cNvSpPr>
+          <p:nvPr>
+            <p:ph type="body" sz="quarter" idx="16"/>
+          </p:nvPr>
+        </p:nvSpPr>
+        <p:spPr>
+          <a:xfrm>
+            <a:off x="457200" y="5105400"/>
+            <a:ext cx="1805709" cy="1295400"/>
+          </a:xfrm>
+        </p:spPr>
+        <p:txBody>
+          <a:bodyPr/>
+          <a:lstStyle/>
+          <a:p>
+            <a:r>
+              <a:rPr lang="en-US" b="1" dirty="0"/>
+              <a:t>US OFFICES</a:t>
+            </a:r>
+            <a:endParaRPr lang="uk-UA" b="1" dirty="0"/>
+          </a:p>
+          <a:p>
+            <a:r>
+              <a:rPr lang="en-US" sz="1100" dirty="0"/>
+              <a:t>Austin, TX</a:t>
+            </a:r>
+            <a:endParaRPr lang="uk-UA" sz="1100" dirty="0"/>
+          </a:p>
+          <a:p>
+            <a:r>
+              <a:rPr lang="en-US" sz="1100" dirty="0"/>
+              <a:t>Fort Myers, FL</a:t>
+            </a:r>
+            <a:endParaRPr lang="uk-UA" sz="1100" dirty="0"/>
+          </a:p>
+          <a:p>
+            <a:r>
+              <a:rPr lang="en-US" sz="1100" dirty="0"/>
+              <a:t>Boston, MA</a:t>
+            </a:r>
+            <a:endParaRPr lang="uk-UA" sz="1100" dirty="0"/>
+          </a:p>
+          <a:p>
+            <a:r>
+              <a:rPr lang="en-US" sz="1100" dirty="0"/>
+              <a:t>Newport Beach, CA</a:t>
+            </a:r>
+            <a:endParaRPr lang="uk-UA" sz="1100" dirty="0"/>
+          </a:p>
+          <a:p>
+            <a:r>
+              <a:rPr lang="en-US" sz="1100" dirty="0"/>
+              <a:t>Salt Lake City, UT</a:t>
+            </a:r>
+            <a:endParaRPr lang="uk-UA" sz="1100" dirty="0"/>
+          </a:p>
+          <a:p>
+            <a:endParaRPr lang="uk-UA" dirty="0"/>
+          </a:p>
+        </p:txBody>
+      </p:sp>
+    </p:spTree>
+    <p:extLst>
+      <p:ext uri="{BB962C8B-B14F-4D97-AF65-F5344CB8AC3E}">
+        <p14:creationId xmlns:p14="http://schemas.microsoft.com/office/powerpoint/2010/main" val="137063417"/>
       </p:ext>
     </p:extLst>
   </p:cSld>
@@ -7180,7 +7676,7 @@
         </p:nvSpPr>
         <p:spPr>
           <a:xfrm>
-            <a:off x="403654" y="914400"/>
+            <a:off x="421701" y="756288"/>
             <a:ext cx="8153400" cy="4876800"/>
           </a:xfrm>
           <a:prstGeom prst="rect">
@@ -7417,13 +7913,13 @@
           <p:nvPr>
             <p:extLst>
               <p:ext uri="{D42A27DB-BD31-4B8C-83A1-F6EECF244321}">
-                <p14:modId xmlns:p14="http://schemas.microsoft.com/office/powerpoint/2010/main" val="1029802220"/>
+                <p14:modId xmlns:p14="http://schemas.microsoft.com/office/powerpoint/2010/main" val="1219661751"/>
               </p:ext>
             </p:extLst>
           </p:nvPr>
         </p:nvGraphicFramePr>
         <p:xfrm>
-          <a:off x="491180" y="2895600"/>
+          <a:off x="509227" y="2298086"/>
           <a:ext cx="7978347" cy="914400"/>
         </p:xfrm>
         <a:graphic>
@@ -7604,7 +8100,7 @@
         </p:nvSpPr>
         <p:spPr>
           <a:xfrm>
-            <a:off x="2286000" y="4200532"/>
+            <a:off x="2324100" y="3388716"/>
             <a:ext cx="1524000" cy="523867"/>
           </a:xfrm>
           <a:prstGeom prst="rect">
@@ -7665,7 +8161,7 @@
         </p:nvSpPr>
         <p:spPr>
           <a:xfrm>
-            <a:off x="5016317" y="4200532"/>
+            <a:off x="5016317" y="3388716"/>
             <a:ext cx="1702166" cy="523864"/>
           </a:xfrm>
           <a:prstGeom prst="rect">
@@ -7809,7 +8305,7 @@
         </p:nvSpPr>
         <p:spPr>
           <a:xfrm>
-            <a:off x="5016317" y="5593736"/>
+            <a:off x="5016317" y="5673741"/>
             <a:ext cx="3289483" cy="523864"/>
           </a:xfrm>
           <a:prstGeom prst="rect">
@@ -7886,13 +8382,13 @@
       </p:sp>
       <p:sp>
         <p:nvSpPr>
-          <p:cNvPr id="2" name="TextBox 1"/>
+          <p:cNvPr id="11" name="TextBox 10"/>
           <p:cNvSpPr txBox="1"/>
           <p:nvPr/>
         </p:nvSpPr>
         <p:spPr>
           <a:xfrm>
-            <a:off x="475247" y="4832666"/>
+            <a:off x="448474" y="4174183"/>
             <a:ext cx="8099854" cy="652800"/>
           </a:xfrm>
           <a:prstGeom prst="rect">
@@ -7905,19 +8401,80 @@
           </a:bodyPr>
           <a:lstStyle/>
           <a:p>
-            <a:pPr marL="0" indent="0">
+            <a:pPr marL="0" indent="0" algn="ctr">
               <a:buFont typeface="Arial" panose="020B0604020202020204" pitchFamily="34" charset="0"/>
               <a:buNone/>
             </a:pPr>
             <a:r>
-              <a:rPr lang="en-US" dirty="0" smtClean="0">
+              <a:rPr lang="en-US" sz="2500" b="1" dirty="0" smtClean="0">
                 <a:latin typeface="Segoe UI" panose="020B0502040204020203" pitchFamily="34" charset="0"/>
                 <a:ea typeface="Segoe UI" panose="020B0502040204020203" pitchFamily="34" charset="0"/>
                 <a:cs typeface="Segoe UI" panose="020B0502040204020203" pitchFamily="34" charset="0"/>
               </a:rPr>
-              <a:t>Sometimes it’s better to use additional values to avoid defects  - which are equal to ‘minus’ and ‘plus’ one number to boundary value.</a:t>
-            </a:r>
-            <a:endParaRPr lang="uk-UA" dirty="0" smtClean="0">
+              <a:t>Additional values to check: </a:t>
+            </a:r>
+            <a:endParaRPr lang="uk-UA" sz="2500" b="1" dirty="0" smtClean="0">
+              <a:latin typeface="Segoe UI" panose="020B0502040204020203" pitchFamily="34" charset="0"/>
+              <a:ea typeface="Segoe UI" panose="020B0502040204020203" pitchFamily="34" charset="0"/>
+              <a:cs typeface="Segoe UI" panose="020B0502040204020203" pitchFamily="34" charset="0"/>
+            </a:endParaRPr>
+          </a:p>
+        </p:txBody>
+      </p:sp>
+      <p:sp>
+        <p:nvSpPr>
+          <p:cNvPr id="12" name="TextBox 11"/>
+          <p:cNvSpPr txBox="1"/>
+          <p:nvPr/>
+        </p:nvSpPr>
+        <p:spPr>
+          <a:xfrm>
+            <a:off x="3200400" y="4826983"/>
+            <a:ext cx="2285999" cy="523867"/>
+          </a:xfrm>
+          <a:prstGeom prst="rect">
+            <a:avLst/>
+          </a:prstGeom>
+        </p:spPr>
+        <p:style>
+          <a:lnRef idx="0">
+            <a:schemeClr val="accent3"/>
+          </a:lnRef>
+          <a:fillRef idx="3">
+            <a:schemeClr val="accent3"/>
+          </a:fillRef>
+          <a:effectRef idx="3">
+            <a:schemeClr val="accent3"/>
+          </a:effectRef>
+          <a:fontRef idx="minor">
+            <a:schemeClr val="lt1"/>
+          </a:fontRef>
+        </p:style>
+        <p:txBody>
+          <a:bodyPr vert="horz" wrap="none" lIns="91440" tIns="45720" rIns="91440" bIns="45720" rtlCol="0">
+            <a:noAutofit/>
+          </a:bodyPr>
+          <a:lstStyle/>
+          <a:p>
+            <a:pPr marL="0" indent="0" algn="ctr">
+              <a:buFont typeface="Arial" panose="020B0604020202020204" pitchFamily="34" charset="0"/>
+              <a:buNone/>
+            </a:pPr>
+            <a:r>
+              <a:rPr lang="en-US" sz="3200" b="1" dirty="0" smtClean="0">
+                <a:solidFill>
+                  <a:schemeClr val="tx1"/>
+                </a:solidFill>
+                <a:latin typeface="Segoe UI" panose="020B0502040204020203" pitchFamily="34" charset="0"/>
+                <a:ea typeface="Segoe UI" panose="020B0502040204020203" pitchFamily="34" charset="0"/>
+                <a:cs typeface="Segoe UI" panose="020B0502040204020203" pitchFamily="34" charset="0"/>
+              </a:rPr>
+              <a:t>-1; 0; 1000</a:t>
+            </a:r>
+            <a:endParaRPr lang="uk-UA" sz="3200" b="1" dirty="0" smtClean="0">
+              <a:solidFill>
+                <a:schemeClr val="tx1"/>
+              </a:solidFill>
               <a:latin typeface="Segoe UI" panose="020B0502040204020203" pitchFamily="34" charset="0"/>
               <a:ea typeface="Segoe UI" panose="020B0502040204020203" pitchFamily="34" charset="0"/>
               <a:cs typeface="Segoe UI" panose="020B0502040204020203" pitchFamily="34" charset="0"/>
@@ -8250,7 +8807,7 @@
                                           </p:stCondLst>
                                         </p:cTn>
                                         <p:tgtEl>
-                                          <p:spTgt spid="2"/>
+                                          <p:spTgt spid="11"/>
                                         </p:tgtEl>
                                         <p:attrNameLst>
                                           <p:attrName>style.visibility</p:attrName>
@@ -8264,7 +8821,7 @@
                                       <p:cBhvr>
                                         <p:cTn id="26" dur="1000"/>
                                         <p:tgtEl>
-                                          <p:spTgt spid="2"/>
+                                          <p:spTgt spid="11"/>
                                         </p:tgtEl>
                                       </p:cBhvr>
                                     </p:animEffect>
@@ -8272,7 +8829,7 @@
                                       <p:cBhvr>
                                         <p:cTn id="27" dur="1000" fill="hold"/>
                                         <p:tgtEl>
-                                          <p:spTgt spid="2"/>
+                                          <p:spTgt spid="11"/>
                                         </p:tgtEl>
                                         <p:attrNameLst>
                                           <p:attrName>ppt_x</p:attrName>
@@ -8295,7 +8852,7 @@
                                       <p:cBhvr>
                                         <p:cTn id="28" dur="1000" fill="hold"/>
                                         <p:tgtEl>
-                                          <p:spTgt spid="2"/>
+                                          <p:spTgt spid="11"/>
                                         </p:tgtEl>
                                         <p:attrNameLst>
                                           <p:attrName>ppt_y</p:attrName>
@@ -8349,7 +8906,7 @@
                                           </p:stCondLst>
                                         </p:cTn>
                                         <p:tgtEl>
-                                          <p:spTgt spid="8"/>
+                                          <p:spTgt spid="12"/>
                                         </p:tgtEl>
                                         <p:attrNameLst>
                                           <p:attrName>style.visibility</p:attrName>
@@ -8363,7 +8920,7 @@
                                       <p:cBhvr additive="base">
                                         <p:cTn id="33" dur="500" fill="hold"/>
                                         <p:tgtEl>
-                                          <p:spTgt spid="8"/>
+                                          <p:spTgt spid="12"/>
                                         </p:tgtEl>
                                         <p:attrNameLst>
                                           <p:attrName>ppt_x</p:attrName>
@@ -8386,7 +8943,7 @@
                                       <p:cBhvr additive="base">
                                         <p:cTn id="34" dur="500" fill="hold"/>
                                         <p:tgtEl>
-                                          <p:spTgt spid="8"/>
+                                          <p:spTgt spid="12"/>
                                         </p:tgtEl>
                                         <p:attrNameLst>
                                           <p:attrName>ppt_y</p:attrName>
@@ -8440,6 +8997,97 @@
                                           </p:stCondLst>
                                         </p:cTn>
                                         <p:tgtEl>
+                                          <p:spTgt spid="8"/>
+                                        </p:tgtEl>
+                                        <p:attrNameLst>
+                                          <p:attrName>style.visibility</p:attrName>
+                                        </p:attrNameLst>
+                                      </p:cBhvr>
+                                      <p:to>
+                                        <p:strVal val="visible"/>
+                                      </p:to>
+                                    </p:set>
+                                    <p:anim calcmode="lin" valueType="num">
+                                      <p:cBhvr additive="base">
+                                        <p:cTn id="39" dur="500" fill="hold"/>
+                                        <p:tgtEl>
+                                          <p:spTgt spid="8"/>
+                                        </p:tgtEl>
+                                        <p:attrNameLst>
+                                          <p:attrName>ppt_x</p:attrName>
+                                        </p:attrNameLst>
+                                      </p:cBhvr>
+                                      <p:tavLst>
+                                        <p:tav tm="0">
+                                          <p:val>
+                                            <p:strVal val="#ppt_x"/>
+                                          </p:val>
+                                        </p:tav>
+                                        <p:tav tm="100000">
+                                          <p:val>
+                                            <p:strVal val="#ppt_x"/>
+                                          </p:val>
+                                        </p:tav>
+                                      </p:tavLst>
+                                    </p:anim>
+                                    <p:anim calcmode="lin" valueType="num">
+                                      <p:cBhvr additive="base">
+                                        <p:cTn id="40" dur="500" fill="hold"/>
+                                        <p:tgtEl>
+                                          <p:spTgt spid="8"/>
+                                        </p:tgtEl>
+                                        <p:attrNameLst>
+                                          <p:attrName>ppt_y</p:attrName>
+                                        </p:attrNameLst>
+                                      </p:cBhvr>
+                                      <p:tavLst>
+                                        <p:tav tm="0">
+                                          <p:val>
+                                            <p:strVal val="1+#ppt_h/2"/>
+                                          </p:val>
+                                        </p:tav>
+                                        <p:tav tm="100000">
+                                          <p:val>
+                                            <p:strVal val="#ppt_y"/>
+                                          </p:val>
+                                        </p:tav>
+                                      </p:tavLst>
+                                    </p:anim>
+                                  </p:childTnLst>
+                                </p:cTn>
+                              </p:par>
+                            </p:childTnLst>
+                          </p:cTn>
+                        </p:par>
+                      </p:childTnLst>
+                    </p:cTn>
+                  </p:par>
+                  <p:par>
+                    <p:cTn id="41" fill="hold">
+                      <p:stCondLst>
+                        <p:cond delay="indefinite"/>
+                      </p:stCondLst>
+                      <p:childTnLst>
+                        <p:par>
+                          <p:cTn id="42" fill="hold">
+                            <p:stCondLst>
+                              <p:cond delay="0"/>
+                            </p:stCondLst>
+                            <p:childTnLst>
+                              <p:par>
+                                <p:cTn id="43" presetID="2" presetClass="entr" presetSubtype="4" fill="hold" grpId="0" nodeType="clickEffect">
+                                  <p:stCondLst>
+                                    <p:cond delay="0"/>
+                                  </p:stCondLst>
+                                  <p:childTnLst>
+                                    <p:set>
+                                      <p:cBhvr>
+                                        <p:cTn id="44" dur="1" fill="hold">
+                                          <p:stCondLst>
+                                            <p:cond delay="0"/>
+                                          </p:stCondLst>
+                                        </p:cTn>
+                                        <p:tgtEl>
                                           <p:spTgt spid="9"/>
                                         </p:tgtEl>
                                         <p:attrNameLst>
@@ -8452,7 +9100,7 @@
                                     </p:set>
                                     <p:anim calcmode="lin" valueType="num">
                                       <p:cBhvr additive="base">
-                                        <p:cTn id="39" dur="500" fill="hold"/>
+                                        <p:cTn id="45" dur="500" fill="hold"/>
                                         <p:tgtEl>
                                           <p:spTgt spid="9"/>
                                         </p:tgtEl>
@@ -8475,7 +9123,7 @@
                                     </p:anim>
                                     <p:anim calcmode="lin" valueType="num">
                                       <p:cBhvr additive="base">
-                                        <p:cTn id="40" dur="500" fill="hold"/>
+                                        <p:cTn id="46" dur="500" fill="hold"/>
                                         <p:tgtEl>
                                           <p:spTgt spid="9"/>
                                         </p:tgtEl>
@@ -8531,7 +9179,8 @@
       <p:bldP spid="27" grpId="0" animBg="1"/>
       <p:bldP spid="8" grpId="0" animBg="1"/>
       <p:bldP spid="9" grpId="0" animBg="1"/>
-      <p:bldP spid="2" grpId="0"/>
+      <p:bldP spid="11" grpId="0"/>
+      <p:bldP spid="12" grpId="0" animBg="1"/>
     </p:bldLst>
   </p:timing>
 </p:sld>
@@ -8623,7 +9272,7 @@
         </p:nvSpPr>
         <p:spPr>
           <a:xfrm>
-            <a:off x="311899" y="572093"/>
+            <a:off x="311899" y="629836"/>
             <a:ext cx="8515670" cy="1012015"/>
           </a:xfrm>
           <a:prstGeom prst="rect">
@@ -8849,13 +9498,13 @@
           <p:nvPr>
             <p:extLst>
               <p:ext uri="{D42A27DB-BD31-4B8C-83A1-F6EECF244321}">
-                <p14:modId xmlns:p14="http://schemas.microsoft.com/office/powerpoint/2010/main" val="3248483368"/>
+                <p14:modId xmlns:p14="http://schemas.microsoft.com/office/powerpoint/2010/main" val="2641272447"/>
               </p:ext>
             </p:extLst>
           </p:nvPr>
         </p:nvGraphicFramePr>
         <p:xfrm>
-          <a:off x="322327" y="2255818"/>
+          <a:off x="323128" y="2514600"/>
           <a:ext cx="8493211" cy="1940560"/>
         </p:xfrm>
         <a:graphic>
@@ -11027,13 +11676,13 @@
           <p:nvPr>
             <p:extLst>
               <p:ext uri="{D42A27DB-BD31-4B8C-83A1-F6EECF244321}">
-                <p14:modId xmlns:p14="http://schemas.microsoft.com/office/powerpoint/2010/main" val="3371230604"/>
+                <p14:modId xmlns:p14="http://schemas.microsoft.com/office/powerpoint/2010/main" val="2132750075"/>
               </p:ext>
             </p:extLst>
           </p:nvPr>
         </p:nvGraphicFramePr>
         <p:xfrm>
-          <a:off x="327140" y="4114800"/>
+          <a:off x="330949" y="4417873"/>
           <a:ext cx="8493211" cy="1112520"/>
         </p:xfrm>
         <a:graphic>
@@ -11751,14 +12400,6 @@
                         <a:buFont typeface="Wingdings" panose="05000000000000000000" pitchFamily="2" charset="2"/>
                         <a:buNone/>
                       </a:pPr>
-                      <a:r>
-                        <a:rPr lang="en-US" sz="1200" b="1" dirty="0" smtClean="0">
-                          <a:latin typeface="Segoe UI" pitchFamily="34" charset="0"/>
-                          <a:ea typeface="Segoe UI" pitchFamily="34" charset="0"/>
-                          <a:cs typeface="Segoe UI" pitchFamily="34" charset="0"/>
-                        </a:rPr>
-                        <a:t>1 </a:t>
-                      </a:r>
                       <a:endParaRPr lang="en-US" sz="1200" b="1" dirty="0">
                         <a:latin typeface="Segoe UI" pitchFamily="34" charset="0"/>
                         <a:ea typeface="Segoe UI" pitchFamily="34" charset="0"/>
@@ -11777,14 +12418,6 @@
                         <a:buFont typeface="Wingdings" panose="05000000000000000000" pitchFamily="2" charset="2"/>
                         <a:buNone/>
                       </a:pPr>
-                      <a:r>
-                        <a:rPr lang="en-US" sz="1200" b="1" dirty="0" smtClean="0">
-                          <a:latin typeface="Segoe UI" pitchFamily="34" charset="0"/>
-                          <a:ea typeface="Segoe UI" pitchFamily="34" charset="0"/>
-                          <a:cs typeface="Segoe UI" pitchFamily="34" charset="0"/>
-                        </a:rPr>
-                        <a:t>1 </a:t>
-                      </a:r>
                       <a:endParaRPr lang="en-US" sz="1200" b="1" dirty="0">
                         <a:latin typeface="Segoe UI" pitchFamily="34" charset="0"/>
                         <a:ea typeface="Segoe UI" pitchFamily="34" charset="0"/>
@@ -11803,14 +12436,6 @@
                         <a:buFont typeface="Wingdings" panose="05000000000000000000" pitchFamily="2" charset="2"/>
                         <a:buNone/>
                       </a:pPr>
-                      <a:r>
-                        <a:rPr lang="en-US" sz="1200" b="1" dirty="0" smtClean="0">
-                          <a:latin typeface="Segoe UI" pitchFamily="34" charset="0"/>
-                          <a:ea typeface="Segoe UI" pitchFamily="34" charset="0"/>
-                          <a:cs typeface="Segoe UI" pitchFamily="34" charset="0"/>
-                        </a:rPr>
-                        <a:t>2 </a:t>
-                      </a:r>
                       <a:endParaRPr lang="en-US" sz="1200" b="1" dirty="0">
                         <a:latin typeface="Segoe UI" pitchFamily="34" charset="0"/>
                         <a:ea typeface="Segoe UI" pitchFamily="34" charset="0"/>
@@ -11829,14 +12454,6 @@
                         <a:buFont typeface="Wingdings" panose="05000000000000000000" pitchFamily="2" charset="2"/>
                         <a:buNone/>
                       </a:pPr>
-                      <a:r>
-                        <a:rPr lang="en-US" sz="1200" b="1" dirty="0" smtClean="0">
-                          <a:latin typeface="Segoe UI" pitchFamily="34" charset="0"/>
-                          <a:ea typeface="Segoe UI" pitchFamily="34" charset="0"/>
-                          <a:cs typeface="Segoe UI" pitchFamily="34" charset="0"/>
-                        </a:rPr>
-                        <a:t>2 </a:t>
-                      </a:r>
                       <a:endParaRPr lang="en-US" sz="1200" b="1" dirty="0">
                         <a:latin typeface="Segoe UI" pitchFamily="34" charset="0"/>
                         <a:ea typeface="Segoe UI" pitchFamily="34" charset="0"/>
@@ -11855,14 +12472,6 @@
                         <a:buFont typeface="Wingdings" panose="05000000000000000000" pitchFamily="2" charset="2"/>
                         <a:buNone/>
                       </a:pPr>
-                      <a:r>
-                        <a:rPr lang="en-US" sz="1200" b="1" dirty="0" smtClean="0">
-                          <a:latin typeface="Segoe UI" pitchFamily="34" charset="0"/>
-                          <a:ea typeface="Segoe UI" pitchFamily="34" charset="0"/>
-                          <a:cs typeface="Segoe UI" pitchFamily="34" charset="0"/>
-                        </a:rPr>
-                        <a:t>3 </a:t>
-                      </a:r>
                       <a:endParaRPr lang="en-US" sz="1200" b="1" dirty="0">
                         <a:latin typeface="Segoe UI" pitchFamily="34" charset="0"/>
                         <a:ea typeface="Segoe UI" pitchFamily="34" charset="0"/>
@@ -11881,14 +12490,6 @@
                         <a:buFont typeface="Wingdings" panose="05000000000000000000" pitchFamily="2" charset="2"/>
                         <a:buNone/>
                       </a:pPr>
-                      <a:r>
-                        <a:rPr lang="en-US" sz="1200" b="1" dirty="0" smtClean="0">
-                          <a:latin typeface="Segoe UI" pitchFamily="34" charset="0"/>
-                          <a:ea typeface="Segoe UI" pitchFamily="34" charset="0"/>
-                          <a:cs typeface="Segoe UI" pitchFamily="34" charset="0"/>
-                        </a:rPr>
-                        <a:t>3 </a:t>
-                      </a:r>
                       <a:endParaRPr lang="en-US" sz="1200" b="1" dirty="0">
                         <a:latin typeface="Segoe UI" pitchFamily="34" charset="0"/>
                         <a:ea typeface="Segoe UI" pitchFamily="34" charset="0"/>
@@ -11945,14 +12546,6 @@
                         <a:buFont typeface="Wingdings" panose="05000000000000000000" pitchFamily="2" charset="2"/>
                         <a:buNone/>
                       </a:pPr>
-                      <a:r>
-                        <a:rPr lang="en-US" sz="1200" b="1" dirty="0" smtClean="0">
-                          <a:latin typeface="Segoe UI" pitchFamily="34" charset="0"/>
-                          <a:ea typeface="Segoe UI" pitchFamily="34" charset="0"/>
-                          <a:cs typeface="Segoe UI" pitchFamily="34" charset="0"/>
-                        </a:rPr>
-                        <a:t>4 </a:t>
-                      </a:r>
                       <a:endParaRPr lang="en-US" sz="1200" b="1" dirty="0">
                         <a:latin typeface="Segoe UI" pitchFamily="34" charset="0"/>
                         <a:ea typeface="Segoe UI" pitchFamily="34" charset="0"/>
@@ -11971,14 +12564,6 @@
                         <a:buFont typeface="Wingdings" panose="05000000000000000000" pitchFamily="2" charset="2"/>
                         <a:buNone/>
                       </a:pPr>
-                      <a:r>
-                        <a:rPr lang="en-US" sz="1200" b="1" dirty="0" smtClean="0">
-                          <a:latin typeface="Segoe UI" pitchFamily="34" charset="0"/>
-                          <a:ea typeface="Segoe UI" pitchFamily="34" charset="0"/>
-                          <a:cs typeface="Segoe UI" pitchFamily="34" charset="0"/>
-                        </a:rPr>
-                        <a:t>4 </a:t>
-                      </a:r>
                       <a:endParaRPr lang="en-US" sz="1200" b="1" dirty="0">
                         <a:latin typeface="Segoe UI" pitchFamily="34" charset="0"/>
                         <a:ea typeface="Segoe UI" pitchFamily="34" charset="0"/>
@@ -12116,7 +12701,7 @@
         </p:nvSpPr>
         <p:spPr>
           <a:xfrm>
-            <a:off x="264976" y="1569339"/>
+            <a:off x="264976" y="1752600"/>
             <a:ext cx="8417011" cy="762000"/>
           </a:xfrm>
           <a:prstGeom prst="rect">
@@ -12279,8 +12864,8 @@
         </p:nvSpPr>
         <p:spPr>
           <a:xfrm>
-            <a:off x="320722" y="5257800"/>
-            <a:ext cx="8498024" cy="1107996"/>
+            <a:off x="311899" y="5745836"/>
+            <a:ext cx="8498024" cy="430887"/>
           </a:xfrm>
           <a:prstGeom prst="rect">
             <a:avLst/>
@@ -12292,44 +12877,46 @@
           </a:bodyPr>
           <a:lstStyle/>
           <a:p>
+            <a:pPr algn="just"/>
+            <a:r>
+              <a:rPr lang="en-US" sz="1100" b="1" dirty="0" smtClean="0">
+                <a:latin typeface="Segoe UI" panose="020B0502040204020203" pitchFamily="34" charset="0"/>
+                <a:ea typeface="Segoe UI" panose="020B0502040204020203" pitchFamily="34" charset="0"/>
+                <a:cs typeface="Segoe UI" panose="020B0502040204020203" pitchFamily="34" charset="0"/>
+              </a:rPr>
+              <a:t>? </a:t>
+            </a:r>
+            <a:r>
+              <a:rPr lang="en-US" sz="1100" b="1" dirty="0" smtClean="0">
+                <a:latin typeface="Segoe UI" panose="020B0502040204020203" pitchFamily="34" charset="0"/>
+                <a:ea typeface="Segoe UI" panose="020B0502040204020203" pitchFamily="34" charset="0"/>
+                <a:cs typeface="Segoe UI" panose="020B0502040204020203" pitchFamily="34" charset="0"/>
+              </a:rPr>
+              <a:t>- The </a:t>
+            </a:r>
             <a:r>
               <a:rPr lang="en-US" sz="1100" b="1" dirty="0">
                 <a:latin typeface="Segoe UI" panose="020B0502040204020203" pitchFamily="34" charset="0"/>
                 <a:ea typeface="Segoe UI" panose="020B0502040204020203" pitchFamily="34" charset="0"/>
                 <a:cs typeface="Segoe UI" panose="020B0502040204020203" pitchFamily="34" charset="0"/>
               </a:rPr>
-              <a:t>Error message 1 </a:t>
-            </a:r>
-            <a:r>
-              <a:rPr lang="en-US" sz="1100" dirty="0">
+              <a:t>20% </a:t>
+            </a:r>
+            <a:r>
+              <a:rPr lang="en-US" sz="1100" b="1" dirty="0" smtClean="0">
                 <a:latin typeface="Segoe UI" panose="020B0502040204020203" pitchFamily="34" charset="0"/>
                 <a:ea typeface="Segoe UI" panose="020B0502040204020203" pitchFamily="34" charset="0"/>
                 <a:cs typeface="Segoe UI" panose="020B0502040204020203" pitchFamily="34" charset="0"/>
               </a:rPr>
-              <a:t>– ‘You cannot be both a new customer and also an existing customer for more and less than a year</a:t>
-            </a:r>
-            <a:r>
-              <a:rPr lang="en-US" sz="1100" dirty="0" smtClean="0">
-                <a:latin typeface="Segoe UI" panose="020B0502040204020203" pitchFamily="34" charset="0"/>
-                <a:ea typeface="Segoe UI" panose="020B0502040204020203" pitchFamily="34" charset="0"/>
-                <a:cs typeface="Segoe UI" panose="020B0502040204020203" pitchFamily="34" charset="0"/>
-              </a:rPr>
-              <a:t>. Please try again.’</a:t>
-            </a:r>
-            <a:endParaRPr lang="en-US" sz="1100" dirty="0">
-              <a:latin typeface="Segoe UI" panose="020B0502040204020203" pitchFamily="34" charset="0"/>
-              <a:ea typeface="Segoe UI" panose="020B0502040204020203" pitchFamily="34" charset="0"/>
-              <a:cs typeface="Segoe UI" panose="020B0502040204020203" pitchFamily="34" charset="0"/>
-            </a:endParaRPr>
-          </a:p>
-          <a:p>
+              <a:t> and 35% discounts are </a:t>
+            </a:r>
             <a:r>
               <a:rPr lang="en-US" sz="1100" b="1" dirty="0">
                 <a:latin typeface="Segoe UI" panose="020B0502040204020203" pitchFamily="34" charset="0"/>
                 <a:ea typeface="Segoe UI" panose="020B0502040204020203" pitchFamily="34" charset="0"/>
                 <a:cs typeface="Segoe UI" panose="020B0502040204020203" pitchFamily="34" charset="0"/>
               </a:rPr>
-              <a:t>Error message </a:t>
+              <a:t>an </a:t>
             </a:r>
             <a:r>
               <a:rPr lang="en-US" sz="1100" b="1" dirty="0" smtClean="0">
@@ -12337,226 +12924,41 @@
                 <a:ea typeface="Segoe UI" panose="020B0502040204020203" pitchFamily="34" charset="0"/>
                 <a:cs typeface="Segoe UI" panose="020B0502040204020203" pitchFamily="34" charset="0"/>
               </a:rPr>
-              <a:t>2 </a:t>
-            </a:r>
-            <a:r>
-              <a:rPr lang="en-US" sz="1100" dirty="0" smtClean="0">
-                <a:latin typeface="Segoe UI" panose="020B0502040204020203" pitchFamily="34" charset="0"/>
-                <a:ea typeface="Segoe UI" panose="020B0502040204020203" pitchFamily="34" charset="0"/>
-                <a:cs typeface="Segoe UI" panose="020B0502040204020203" pitchFamily="34" charset="0"/>
-              </a:rPr>
-              <a:t>– ‘You </a:t>
-            </a:r>
-            <a:r>
-              <a:rPr lang="en-US" sz="1100" dirty="0">
-                <a:latin typeface="Segoe UI" panose="020B0502040204020203" pitchFamily="34" charset="0"/>
-                <a:ea typeface="Segoe UI" panose="020B0502040204020203" pitchFamily="34" charset="0"/>
-                <a:cs typeface="Segoe UI" panose="020B0502040204020203" pitchFamily="34" charset="0"/>
-              </a:rPr>
-              <a:t>cannot be both a new customer and also an existing customer for less than a year</a:t>
-            </a:r>
-            <a:r>
-              <a:rPr lang="en-US" sz="1100" dirty="0" smtClean="0">
-                <a:latin typeface="Segoe UI" panose="020B0502040204020203" pitchFamily="34" charset="0"/>
-                <a:ea typeface="Segoe UI" panose="020B0502040204020203" pitchFamily="34" charset="0"/>
-                <a:cs typeface="Segoe UI" panose="020B0502040204020203" pitchFamily="34" charset="0"/>
-              </a:rPr>
-              <a:t>. </a:t>
-            </a:r>
-            <a:r>
-              <a:rPr lang="en-US" sz="1100" dirty="0">
-                <a:latin typeface="Segoe UI" panose="020B0502040204020203" pitchFamily="34" charset="0"/>
-                <a:ea typeface="Segoe UI" panose="020B0502040204020203" pitchFamily="34" charset="0"/>
-                <a:cs typeface="Segoe UI" panose="020B0502040204020203" pitchFamily="34" charset="0"/>
-              </a:rPr>
-              <a:t>Please try again</a:t>
-            </a:r>
-            <a:r>
-              <a:rPr lang="en-US" sz="1100" dirty="0" smtClean="0">
-                <a:latin typeface="Segoe UI" panose="020B0502040204020203" pitchFamily="34" charset="0"/>
-                <a:ea typeface="Segoe UI" panose="020B0502040204020203" pitchFamily="34" charset="0"/>
-                <a:cs typeface="Segoe UI" panose="020B0502040204020203" pitchFamily="34" charset="0"/>
-              </a:rPr>
-              <a:t>.’</a:t>
-            </a:r>
-            <a:endParaRPr lang="en-US" sz="1100" dirty="0">
-              <a:latin typeface="Segoe UI" panose="020B0502040204020203" pitchFamily="34" charset="0"/>
-              <a:ea typeface="Segoe UI" panose="020B0502040204020203" pitchFamily="34" charset="0"/>
-              <a:cs typeface="Segoe UI" panose="020B0502040204020203" pitchFamily="34" charset="0"/>
-            </a:endParaRPr>
-          </a:p>
-          <a:p>
+              <a:t>assumption, </a:t>
+            </a:r>
             <a:r>
               <a:rPr lang="en-US" sz="1100" b="1" dirty="0">
                 <a:latin typeface="Segoe UI" panose="020B0502040204020203" pitchFamily="34" charset="0"/>
                 <a:ea typeface="Segoe UI" panose="020B0502040204020203" pitchFamily="34" charset="0"/>
                 <a:cs typeface="Segoe UI" panose="020B0502040204020203" pitchFamily="34" charset="0"/>
               </a:rPr>
-              <a:t>Error message 3 </a:t>
-            </a:r>
-            <a:r>
-              <a:rPr lang="en-US" sz="1100" dirty="0">
+              <a:t>and we should check that </a:t>
+            </a:r>
+            <a:r>
+              <a:rPr lang="en-US" sz="1100" b="1" dirty="0" smtClean="0">
                 <a:latin typeface="Segoe UI" panose="020B0502040204020203" pitchFamily="34" charset="0"/>
                 <a:ea typeface="Segoe UI" panose="020B0502040204020203" pitchFamily="34" charset="0"/>
                 <a:cs typeface="Segoe UI" panose="020B0502040204020203" pitchFamily="34" charset="0"/>
               </a:rPr>
-              <a:t>– ‘You cannot be both a new customer and also an existing customer for more than a year</a:t>
-            </a:r>
-            <a:r>
-              <a:rPr lang="en-US" sz="1100" dirty="0" smtClean="0">
-                <a:latin typeface="Segoe UI" panose="020B0502040204020203" pitchFamily="34" charset="0"/>
-                <a:ea typeface="Segoe UI" panose="020B0502040204020203" pitchFamily="34" charset="0"/>
-                <a:cs typeface="Segoe UI" panose="020B0502040204020203" pitchFamily="34" charset="0"/>
-              </a:rPr>
-              <a:t>.</a:t>
-            </a:r>
-            <a:r>
-              <a:rPr lang="en-US" sz="1100" dirty="0">
-                <a:latin typeface="Segoe UI" panose="020B0502040204020203" pitchFamily="34" charset="0"/>
-                <a:ea typeface="Segoe UI" panose="020B0502040204020203" pitchFamily="34" charset="0"/>
-                <a:cs typeface="Segoe UI" panose="020B0502040204020203" pitchFamily="34" charset="0"/>
-              </a:rPr>
-              <a:t> Please try again</a:t>
-            </a:r>
-            <a:r>
-              <a:rPr lang="en-US" sz="1100" dirty="0" smtClean="0">
-                <a:latin typeface="Segoe UI" panose="020B0502040204020203" pitchFamily="34" charset="0"/>
-                <a:ea typeface="Segoe UI" panose="020B0502040204020203" pitchFamily="34" charset="0"/>
-                <a:cs typeface="Segoe UI" panose="020B0502040204020203" pitchFamily="34" charset="0"/>
-              </a:rPr>
-              <a:t>.’</a:t>
-            </a:r>
-            <a:endParaRPr lang="en-US" sz="1100" dirty="0">
-              <a:latin typeface="Segoe UI" panose="020B0502040204020203" pitchFamily="34" charset="0"/>
-              <a:ea typeface="Segoe UI" panose="020B0502040204020203" pitchFamily="34" charset="0"/>
-              <a:cs typeface="Segoe UI" panose="020B0502040204020203" pitchFamily="34" charset="0"/>
-            </a:endParaRPr>
-          </a:p>
-          <a:p>
-            <a:pPr algn="just"/>
+              <a:t>these assumptions are </a:t>
+            </a:r>
             <a:r>
               <a:rPr lang="en-US" sz="1100" b="1" dirty="0">
                 <a:latin typeface="Segoe UI" panose="020B0502040204020203" pitchFamily="34" charset="0"/>
                 <a:ea typeface="Segoe UI" panose="020B0502040204020203" pitchFamily="34" charset="0"/>
                 <a:cs typeface="Segoe UI" panose="020B0502040204020203" pitchFamily="34" charset="0"/>
               </a:rPr>
-              <a:t>Error message 4</a:t>
-            </a:r>
-            <a:r>
-              <a:rPr lang="en-US" sz="1100" dirty="0">
-                <a:latin typeface="Segoe UI" panose="020B0502040204020203" pitchFamily="34" charset="0"/>
-                <a:ea typeface="Segoe UI" panose="020B0502040204020203" pitchFamily="34" charset="0"/>
-                <a:cs typeface="Segoe UI" panose="020B0502040204020203" pitchFamily="34" charset="0"/>
-              </a:rPr>
-              <a:t> – ‘You cannot be both an existing customer for less and more than a year</a:t>
-            </a:r>
-            <a:r>
-              <a:rPr lang="en-US" sz="1100" dirty="0" smtClean="0">
-                <a:latin typeface="Segoe UI" panose="020B0502040204020203" pitchFamily="34" charset="0"/>
-                <a:ea typeface="Segoe UI" panose="020B0502040204020203" pitchFamily="34" charset="0"/>
-                <a:cs typeface="Segoe UI" panose="020B0502040204020203" pitchFamily="34" charset="0"/>
-              </a:rPr>
-              <a:t>. </a:t>
-            </a:r>
-            <a:r>
-              <a:rPr lang="en-US" sz="1100" dirty="0">
-                <a:latin typeface="Segoe UI" panose="020B0502040204020203" pitchFamily="34" charset="0"/>
-                <a:ea typeface="Segoe UI" panose="020B0502040204020203" pitchFamily="34" charset="0"/>
-                <a:cs typeface="Segoe UI" panose="020B0502040204020203" pitchFamily="34" charset="0"/>
-              </a:rPr>
-              <a:t>Please try again</a:t>
-            </a:r>
-            <a:r>
-              <a:rPr lang="en-US" sz="1100" dirty="0" smtClean="0">
-                <a:latin typeface="Segoe UI" panose="020B0502040204020203" pitchFamily="34" charset="0"/>
-                <a:ea typeface="Segoe UI" panose="020B0502040204020203" pitchFamily="34" charset="0"/>
-                <a:cs typeface="Segoe UI" panose="020B0502040204020203" pitchFamily="34" charset="0"/>
-              </a:rPr>
-              <a:t>.’</a:t>
-            </a:r>
-          </a:p>
-          <a:p>
+              <a:t>correct, by asking the person who wrote the </a:t>
+            </a:r>
             <a:r>
               <a:rPr lang="en-US" sz="1100" b="1" dirty="0" smtClean="0">
                 <a:latin typeface="Segoe UI" panose="020B0502040204020203" pitchFamily="34" charset="0"/>
                 <a:ea typeface="Segoe UI" panose="020B0502040204020203" pitchFamily="34" charset="0"/>
                 <a:cs typeface="Segoe UI" panose="020B0502040204020203" pitchFamily="34" charset="0"/>
               </a:rPr>
-              <a:t>?</a:t>
-            </a:r>
-            <a:r>
-              <a:rPr lang="en-US" sz="1100" dirty="0" smtClean="0">
-                <a:latin typeface="Segoe UI" panose="020B0502040204020203" pitchFamily="34" charset="0"/>
-                <a:ea typeface="Segoe UI" panose="020B0502040204020203" pitchFamily="34" charset="0"/>
-                <a:cs typeface="Segoe UI" panose="020B0502040204020203" pitchFamily="34" charset="0"/>
-              </a:rPr>
-              <a:t> - The </a:t>
-            </a:r>
-            <a:r>
-              <a:rPr lang="en-US" sz="1100" dirty="0">
-                <a:latin typeface="Segoe UI" panose="020B0502040204020203" pitchFamily="34" charset="0"/>
-                <a:ea typeface="Segoe UI" panose="020B0502040204020203" pitchFamily="34" charset="0"/>
-                <a:cs typeface="Segoe UI" panose="020B0502040204020203" pitchFamily="34" charset="0"/>
-              </a:rPr>
-              <a:t>20% </a:t>
-            </a:r>
-            <a:r>
-              <a:rPr lang="en-US" sz="1100" dirty="0" smtClean="0">
-                <a:latin typeface="Segoe UI" panose="020B0502040204020203" pitchFamily="34" charset="0"/>
-                <a:ea typeface="Segoe UI" panose="020B0502040204020203" pitchFamily="34" charset="0"/>
-                <a:cs typeface="Segoe UI" panose="020B0502040204020203" pitchFamily="34" charset="0"/>
-              </a:rPr>
-              <a:t> and 35% discounts are </a:t>
-            </a:r>
-            <a:r>
-              <a:rPr lang="en-US" sz="1100" dirty="0">
-                <a:latin typeface="Segoe UI" panose="020B0502040204020203" pitchFamily="34" charset="0"/>
-                <a:ea typeface="Segoe UI" panose="020B0502040204020203" pitchFamily="34" charset="0"/>
-                <a:cs typeface="Segoe UI" panose="020B0502040204020203" pitchFamily="34" charset="0"/>
-              </a:rPr>
-              <a:t>an </a:t>
-            </a:r>
-            <a:r>
-              <a:rPr lang="en-US" sz="1100" dirty="0" smtClean="0">
-                <a:latin typeface="Segoe UI" panose="020B0502040204020203" pitchFamily="34" charset="0"/>
-                <a:ea typeface="Segoe UI" panose="020B0502040204020203" pitchFamily="34" charset="0"/>
-                <a:cs typeface="Segoe UI" panose="020B0502040204020203" pitchFamily="34" charset="0"/>
-              </a:rPr>
-              <a:t>assumption, </a:t>
-            </a:r>
-            <a:r>
-              <a:rPr lang="en-US" sz="1100" dirty="0">
-                <a:latin typeface="Segoe UI" panose="020B0502040204020203" pitchFamily="34" charset="0"/>
-                <a:ea typeface="Segoe UI" panose="020B0502040204020203" pitchFamily="34" charset="0"/>
-                <a:cs typeface="Segoe UI" panose="020B0502040204020203" pitchFamily="34" charset="0"/>
-              </a:rPr>
-              <a:t>and we should check that </a:t>
-            </a:r>
-            <a:r>
-              <a:rPr lang="en-US" sz="1100" dirty="0" smtClean="0">
-                <a:latin typeface="Segoe UI" panose="020B0502040204020203" pitchFamily="34" charset="0"/>
-                <a:ea typeface="Segoe UI" panose="020B0502040204020203" pitchFamily="34" charset="0"/>
-                <a:cs typeface="Segoe UI" panose="020B0502040204020203" pitchFamily="34" charset="0"/>
-              </a:rPr>
-              <a:t>these assumptions are </a:t>
-            </a:r>
-            <a:r>
-              <a:rPr lang="en-US" sz="1100" dirty="0">
-                <a:latin typeface="Segoe UI" panose="020B0502040204020203" pitchFamily="34" charset="0"/>
-                <a:ea typeface="Segoe UI" panose="020B0502040204020203" pitchFamily="34" charset="0"/>
-                <a:cs typeface="Segoe UI" panose="020B0502040204020203" pitchFamily="34" charset="0"/>
-              </a:rPr>
-              <a:t>correct, by asking the person who wrote the </a:t>
-            </a:r>
-            <a:r>
-              <a:rPr lang="en-US" sz="1100" dirty="0" smtClean="0">
-                <a:latin typeface="Segoe UI" panose="020B0502040204020203" pitchFamily="34" charset="0"/>
-                <a:ea typeface="Segoe UI" panose="020B0502040204020203" pitchFamily="34" charset="0"/>
-                <a:cs typeface="Segoe UI" panose="020B0502040204020203" pitchFamily="34" charset="0"/>
-              </a:rPr>
               <a:t>specification.</a:t>
             </a:r>
-            <a:endParaRPr lang="en-US" sz="1100" dirty="0">
+            <a:endParaRPr lang="en-US" sz="1100" b="1" dirty="0">
               <a:latin typeface="Segoe UI" panose="020B0502040204020203" pitchFamily="34" charset="0"/>
               <a:ea typeface="Segoe UI" panose="020B0502040204020203" pitchFamily="34" charset="0"/>
               <a:cs typeface="Segoe UI" panose="020B0502040204020203" pitchFamily="34" charset="0"/>
@@ -13193,7 +13595,7 @@
         </p:nvSpPr>
         <p:spPr>
           <a:xfrm>
-            <a:off x="311899" y="572093"/>
+            <a:off x="311899" y="629836"/>
             <a:ext cx="8515670" cy="1012015"/>
           </a:xfrm>
           <a:prstGeom prst="rect">
@@ -13419,14 +13821,14 @@
           <p:nvPr>
             <p:extLst>
               <p:ext uri="{D42A27DB-BD31-4B8C-83A1-F6EECF244321}">
-                <p14:modId xmlns:p14="http://schemas.microsoft.com/office/powerpoint/2010/main" val="1724687291"/>
+                <p14:modId xmlns:p14="http://schemas.microsoft.com/office/powerpoint/2010/main" val="3082259464"/>
               </p:ext>
             </p:extLst>
           </p:nvPr>
         </p:nvGraphicFramePr>
         <p:xfrm>
-          <a:off x="1066800" y="2209800"/>
-          <a:ext cx="6756235" cy="1940560"/>
+          <a:off x="323128" y="2514600"/>
+          <a:ext cx="8493211" cy="1940560"/>
         </p:xfrm>
         <a:graphic>
           <a:graphicData uri="http://schemas.openxmlformats.org/drawingml/2006/table">
@@ -13448,6 +13850,10 @@
                 <a:gridCol w="434244"/>
                 <a:gridCol w="434244"/>
                 <a:gridCol w="434244"/>
+                <a:gridCol w="434244"/>
+                <a:gridCol w="434244"/>
+                <a:gridCol w="434244"/>
+                <a:gridCol w="434244"/>
               </a:tblGrid>
               <a:tr h="370840">
                 <a:tc>
@@ -13480,6 +13886,9 @@
                       <a:pPr algn="ctr"/>
                       <a:r>
                         <a:rPr lang="en-US" sz="1200" dirty="0" smtClean="0">
+                          <a:solidFill>
+                            <a:srgbClr val="FF0000"/>
+                          </a:solidFill>
                           <a:latin typeface="Segoe UI" pitchFamily="34" charset="0"/>
                           <a:ea typeface="Segoe UI" pitchFamily="34" charset="0"/>
                           <a:cs typeface="Segoe UI" pitchFamily="34" charset="0"/>
@@ -13491,6 +13900,52 @@
                       <a:pPr algn="ctr"/>
                       <a:r>
                         <a:rPr lang="en-US" sz="1200" dirty="0" smtClean="0">
+                          <a:solidFill>
+                            <a:srgbClr val="FF0000"/>
+                          </a:solidFill>
+                          <a:latin typeface="Segoe UI" pitchFamily="34" charset="0"/>
+                          <a:ea typeface="Segoe UI" pitchFamily="34" charset="0"/>
+                          <a:cs typeface="Segoe UI" pitchFamily="34" charset="0"/>
+                        </a:rPr>
+                        <a:t>1</a:t>
+                      </a:r>
+                      <a:endParaRPr lang="en-US" sz="1200" dirty="0">
+                        <a:solidFill>
+                          <a:srgbClr val="FF0000"/>
+                        </a:solidFill>
+                        <a:latin typeface="Segoe UI" pitchFamily="34" charset="0"/>
+                        <a:ea typeface="Segoe UI" pitchFamily="34" charset="0"/>
+                        <a:cs typeface="Segoe UI" pitchFamily="34" charset="0"/>
+                      </a:endParaRPr>
+                    </a:p>
+                  </a:txBody>
+                  <a:tcPr/>
+                </a:tc>
+                <a:tc>
+                  <a:txBody>
+                    <a:bodyPr/>
+                    <a:lstStyle/>
+                    <a:p>
+                      <a:pPr algn="ctr"/>
+                      <a:r>
+                        <a:rPr lang="en-US" sz="1200" dirty="0" smtClean="0">
+                          <a:solidFill>
+                            <a:srgbClr val="FF0000"/>
+                          </a:solidFill>
+                          <a:latin typeface="Segoe UI" pitchFamily="34" charset="0"/>
+                          <a:ea typeface="Segoe UI" pitchFamily="34" charset="0"/>
+                          <a:cs typeface="Segoe UI" pitchFamily="34" charset="0"/>
+                        </a:rPr>
+                        <a:t>R</a:t>
+                      </a:r>
+                    </a:p>
+                    <a:p>
+                      <a:pPr algn="ctr"/>
+                      <a:r>
+                        <a:rPr lang="en-US" sz="1200" dirty="0" smtClean="0">
+                          <a:solidFill>
+                            <a:srgbClr val="FF0000"/>
+                          </a:solidFill>
                           <a:latin typeface="Segoe UI" pitchFamily="34" charset="0"/>
                           <a:ea typeface="Segoe UI" pitchFamily="34" charset="0"/>
                           <a:cs typeface="Segoe UI" pitchFamily="34" charset="0"/>
@@ -13498,6 +13953,9 @@
                         <a:t>2</a:t>
                       </a:r>
                       <a:endParaRPr lang="en-US" sz="1200" dirty="0">
+                        <a:solidFill>
+                          <a:srgbClr val="FF0000"/>
+                        </a:solidFill>
                         <a:latin typeface="Segoe UI" pitchFamily="34" charset="0"/>
                         <a:ea typeface="Segoe UI" pitchFamily="34" charset="0"/>
                         <a:cs typeface="Segoe UI" pitchFamily="34" charset="0"/>
@@ -13514,6 +13972,9 @@
                       <a:pPr algn="ctr"/>
                       <a:r>
                         <a:rPr lang="en-US" sz="1200" dirty="0" smtClean="0">
+                          <a:solidFill>
+                            <a:srgbClr val="FF0000"/>
+                          </a:solidFill>
                           <a:latin typeface="Segoe UI" pitchFamily="34" charset="0"/>
                           <a:ea typeface="Segoe UI" pitchFamily="34" charset="0"/>
                           <a:cs typeface="Segoe UI" pitchFamily="34" charset="0"/>
@@ -13525,6 +13986,52 @@
                       <a:pPr algn="ctr"/>
                       <a:r>
                         <a:rPr lang="en-US" sz="1200" dirty="0" smtClean="0">
+                          <a:solidFill>
+                            <a:srgbClr val="FF0000"/>
+                          </a:solidFill>
+                          <a:latin typeface="Segoe UI" pitchFamily="34" charset="0"/>
+                          <a:ea typeface="Segoe UI" pitchFamily="34" charset="0"/>
+                          <a:cs typeface="Segoe UI" pitchFamily="34" charset="0"/>
+                        </a:rPr>
+                        <a:t>3</a:t>
+                      </a:r>
+                      <a:endParaRPr lang="en-US" sz="1200" dirty="0">
+                        <a:solidFill>
+                          <a:srgbClr val="FF0000"/>
+                        </a:solidFill>
+                        <a:latin typeface="Segoe UI" pitchFamily="34" charset="0"/>
+                        <a:ea typeface="Segoe UI" pitchFamily="34" charset="0"/>
+                        <a:cs typeface="Segoe UI" pitchFamily="34" charset="0"/>
+                      </a:endParaRPr>
+                    </a:p>
+                  </a:txBody>
+                  <a:tcPr/>
+                </a:tc>
+                <a:tc>
+                  <a:txBody>
+                    <a:bodyPr/>
+                    <a:lstStyle/>
+                    <a:p>
+                      <a:pPr algn="ctr"/>
+                      <a:r>
+                        <a:rPr lang="en-US" sz="1200" dirty="0" smtClean="0">
+                          <a:solidFill>
+                            <a:srgbClr val="FF0000"/>
+                          </a:solidFill>
+                          <a:latin typeface="Segoe UI" pitchFamily="34" charset="0"/>
+                          <a:ea typeface="Segoe UI" pitchFamily="34" charset="0"/>
+                          <a:cs typeface="Segoe UI" pitchFamily="34" charset="0"/>
+                        </a:rPr>
+                        <a:t>R</a:t>
+                      </a:r>
+                    </a:p>
+                    <a:p>
+                      <a:pPr algn="ctr"/>
+                      <a:r>
+                        <a:rPr lang="en-US" sz="1200" dirty="0" smtClean="0">
+                          <a:solidFill>
+                            <a:srgbClr val="FF0000"/>
+                          </a:solidFill>
                           <a:latin typeface="Segoe UI" pitchFamily="34" charset="0"/>
                           <a:ea typeface="Segoe UI" pitchFamily="34" charset="0"/>
                           <a:cs typeface="Segoe UI" pitchFamily="34" charset="0"/>
@@ -13532,6 +14039,9 @@
                         <a:t>4</a:t>
                       </a:r>
                       <a:endParaRPr lang="en-US" sz="1200" dirty="0">
+                        <a:solidFill>
+                          <a:srgbClr val="FF0000"/>
+                        </a:solidFill>
                         <a:latin typeface="Segoe UI" pitchFamily="34" charset="0"/>
                         <a:ea typeface="Segoe UI" pitchFamily="34" charset="0"/>
                         <a:cs typeface="Segoe UI" pitchFamily="34" charset="0"/>
@@ -13548,6 +14058,9 @@
                       <a:pPr algn="ctr"/>
                       <a:r>
                         <a:rPr lang="en-US" sz="1200" dirty="0" smtClean="0">
+                          <a:solidFill>
+                            <a:srgbClr val="FF0000"/>
+                          </a:solidFill>
                           <a:latin typeface="Segoe UI" pitchFamily="34" charset="0"/>
                           <a:ea typeface="Segoe UI" pitchFamily="34" charset="0"/>
                           <a:cs typeface="Segoe UI" pitchFamily="34" charset="0"/>
@@ -13559,6 +14072,52 @@
                       <a:pPr algn="ctr"/>
                       <a:r>
                         <a:rPr lang="en-US" sz="1200" dirty="0" smtClean="0">
+                          <a:solidFill>
+                            <a:srgbClr val="FF0000"/>
+                          </a:solidFill>
+                          <a:latin typeface="Segoe UI" pitchFamily="34" charset="0"/>
+                          <a:ea typeface="Segoe UI" pitchFamily="34" charset="0"/>
+                          <a:cs typeface="Segoe UI" pitchFamily="34" charset="0"/>
+                        </a:rPr>
+                        <a:t>5</a:t>
+                      </a:r>
+                      <a:endParaRPr lang="en-US" sz="1200" dirty="0">
+                        <a:solidFill>
+                          <a:srgbClr val="FF0000"/>
+                        </a:solidFill>
+                        <a:latin typeface="Segoe UI" pitchFamily="34" charset="0"/>
+                        <a:ea typeface="Segoe UI" pitchFamily="34" charset="0"/>
+                        <a:cs typeface="Segoe UI" pitchFamily="34" charset="0"/>
+                      </a:endParaRPr>
+                    </a:p>
+                  </a:txBody>
+                  <a:tcPr/>
+                </a:tc>
+                <a:tc>
+                  <a:txBody>
+                    <a:bodyPr/>
+                    <a:lstStyle/>
+                    <a:p>
+                      <a:pPr algn="ctr"/>
+                      <a:r>
+                        <a:rPr lang="en-US" sz="1200" dirty="0" smtClean="0">
+                          <a:solidFill>
+                            <a:srgbClr val="FF0000"/>
+                          </a:solidFill>
+                          <a:latin typeface="Segoe UI" pitchFamily="34" charset="0"/>
+                          <a:ea typeface="Segoe UI" pitchFamily="34" charset="0"/>
+                          <a:cs typeface="Segoe UI" pitchFamily="34" charset="0"/>
+                        </a:rPr>
+                        <a:t>R</a:t>
+                      </a:r>
+                    </a:p>
+                    <a:p>
+                      <a:pPr algn="ctr"/>
+                      <a:r>
+                        <a:rPr lang="en-US" sz="1200" dirty="0" smtClean="0">
+                          <a:solidFill>
+                            <a:srgbClr val="FF0000"/>
+                          </a:solidFill>
                           <a:latin typeface="Segoe UI" pitchFamily="34" charset="0"/>
                           <a:ea typeface="Segoe UI" pitchFamily="34" charset="0"/>
                           <a:cs typeface="Segoe UI" pitchFamily="34" charset="0"/>
@@ -13566,6 +14125,9 @@
                         <a:t>6</a:t>
                       </a:r>
                       <a:endParaRPr lang="en-US" sz="1200" dirty="0">
+                        <a:solidFill>
+                          <a:srgbClr val="FF0000"/>
+                        </a:solidFill>
                         <a:latin typeface="Segoe UI" pitchFamily="34" charset="0"/>
                         <a:ea typeface="Segoe UI" pitchFamily="34" charset="0"/>
                         <a:cs typeface="Segoe UI" pitchFamily="34" charset="0"/>
@@ -13650,6 +14212,9 @@
                       <a:pPr algn="ctr"/>
                       <a:r>
                         <a:rPr lang="en-US" sz="1200" dirty="0" smtClean="0">
+                          <a:solidFill>
+                            <a:srgbClr val="FF0000"/>
+                          </a:solidFill>
                           <a:latin typeface="Segoe UI" pitchFamily="34" charset="0"/>
                           <a:ea typeface="Segoe UI" pitchFamily="34" charset="0"/>
                           <a:cs typeface="Segoe UI" pitchFamily="34" charset="0"/>
@@ -13661,6 +14226,52 @@
                       <a:pPr algn="ctr"/>
                       <a:r>
                         <a:rPr lang="en-US" sz="1200" dirty="0" smtClean="0">
+                          <a:solidFill>
+                            <a:srgbClr val="FF0000"/>
+                          </a:solidFill>
+                          <a:latin typeface="Segoe UI" pitchFamily="34" charset="0"/>
+                          <a:ea typeface="Segoe UI" pitchFamily="34" charset="0"/>
+                          <a:cs typeface="Segoe UI" pitchFamily="34" charset="0"/>
+                        </a:rPr>
+                        <a:t>9</a:t>
+                      </a:r>
+                      <a:endParaRPr lang="en-US" sz="1200" dirty="0">
+                        <a:solidFill>
+                          <a:srgbClr val="FF0000"/>
+                        </a:solidFill>
+                        <a:latin typeface="Segoe UI" pitchFamily="34" charset="0"/>
+                        <a:ea typeface="Segoe UI" pitchFamily="34" charset="0"/>
+                        <a:cs typeface="Segoe UI" pitchFamily="34" charset="0"/>
+                      </a:endParaRPr>
+                    </a:p>
+                  </a:txBody>
+                  <a:tcPr/>
+                </a:tc>
+                <a:tc>
+                  <a:txBody>
+                    <a:bodyPr/>
+                    <a:lstStyle/>
+                    <a:p>
+                      <a:pPr algn="ctr"/>
+                      <a:r>
+                        <a:rPr lang="en-US" sz="1200" dirty="0" smtClean="0">
+                          <a:solidFill>
+                            <a:srgbClr val="FF0000"/>
+                          </a:solidFill>
+                          <a:latin typeface="Segoe UI" pitchFamily="34" charset="0"/>
+                          <a:ea typeface="Segoe UI" pitchFamily="34" charset="0"/>
+                          <a:cs typeface="Segoe UI" pitchFamily="34" charset="0"/>
+                        </a:rPr>
+                        <a:t>R</a:t>
+                      </a:r>
+                    </a:p>
+                    <a:p>
+                      <a:pPr algn="ctr"/>
+                      <a:r>
+                        <a:rPr lang="en-US" sz="1200" dirty="0" smtClean="0">
+                          <a:solidFill>
+                            <a:srgbClr val="FF0000"/>
+                          </a:solidFill>
                           <a:latin typeface="Segoe UI" pitchFamily="34" charset="0"/>
                           <a:ea typeface="Segoe UI" pitchFamily="34" charset="0"/>
                           <a:cs typeface="Segoe UI" pitchFamily="34" charset="0"/>
@@ -13668,6 +14279,9 @@
                         <a:t>10</a:t>
                       </a:r>
                       <a:endParaRPr lang="en-US" sz="1200" dirty="0">
+                        <a:solidFill>
+                          <a:srgbClr val="FF0000"/>
+                        </a:solidFill>
                         <a:latin typeface="Segoe UI" pitchFamily="34" charset="0"/>
                         <a:ea typeface="Segoe UI" pitchFamily="34" charset="0"/>
                         <a:cs typeface="Segoe UI" pitchFamily="34" charset="0"/>
@@ -13907,6 +14521,9 @@
                       <a:pPr algn="ctr"/>
                       <a:r>
                         <a:rPr lang="en-US" sz="1200" b="1" dirty="0" smtClean="0">
+                          <a:solidFill>
+                            <a:srgbClr val="FF0000"/>
+                          </a:solidFill>
                           <a:latin typeface="Segoe UI" pitchFamily="34" charset="0"/>
                           <a:ea typeface="Segoe UI" pitchFamily="34" charset="0"/>
                           <a:cs typeface="Segoe UI" pitchFamily="34" charset="0"/>
@@ -13914,6 +14531,9 @@
                         <a:t>Y</a:t>
                       </a:r>
                       <a:endParaRPr lang="en-US" sz="1200" b="1" dirty="0">
+                        <a:solidFill>
+                          <a:srgbClr val="FF0000"/>
+                        </a:solidFill>
                         <a:latin typeface="Segoe UI" pitchFamily="34" charset="0"/>
                         <a:ea typeface="Segoe UI" pitchFamily="34" charset="0"/>
                         <a:cs typeface="Segoe UI" pitchFamily="34" charset="0"/>
@@ -13930,6 +14550,9 @@
                       <a:pPr algn="ctr"/>
                       <a:r>
                         <a:rPr lang="en-US" sz="1200" b="1" dirty="0" smtClean="0">
+                          <a:solidFill>
+                            <a:srgbClr val="FF0000"/>
+                          </a:solidFill>
                           <a:latin typeface="Segoe UI" pitchFamily="34" charset="0"/>
                           <a:ea typeface="Segoe UI" pitchFamily="34" charset="0"/>
                           <a:cs typeface="Segoe UI" pitchFamily="34" charset="0"/>
@@ -13937,6 +14560,9 @@
                         <a:t>Y</a:t>
                       </a:r>
                       <a:endParaRPr lang="en-US" sz="1200" b="1" dirty="0">
+                        <a:solidFill>
+                          <a:srgbClr val="FF0000"/>
+                        </a:solidFill>
                         <a:latin typeface="Segoe UI" pitchFamily="34" charset="0"/>
                         <a:ea typeface="Segoe UI" pitchFamily="34" charset="0"/>
                         <a:cs typeface="Segoe UI" pitchFamily="34" charset="0"/>
@@ -13953,6 +14579,9 @@
                       <a:pPr algn="ctr"/>
                       <a:r>
                         <a:rPr lang="en-US" sz="1200" b="1" dirty="0" smtClean="0">
+                          <a:solidFill>
+                            <a:srgbClr val="FF0000"/>
+                          </a:solidFill>
                           <a:latin typeface="Segoe UI" pitchFamily="34" charset="0"/>
                           <a:ea typeface="Segoe UI" pitchFamily="34" charset="0"/>
                           <a:cs typeface="Segoe UI" pitchFamily="34" charset="0"/>
@@ -13960,6 +14589,9 @@
                         <a:t>Y</a:t>
                       </a:r>
                       <a:endParaRPr lang="en-US" sz="1200" b="1" dirty="0">
+                        <a:solidFill>
+                          <a:srgbClr val="FF0000"/>
+                        </a:solidFill>
                         <a:latin typeface="Segoe UI" pitchFamily="34" charset="0"/>
                         <a:ea typeface="Segoe UI" pitchFamily="34" charset="0"/>
                         <a:cs typeface="Segoe UI" pitchFamily="34" charset="0"/>
@@ -13976,6 +14608,9 @@
                       <a:pPr algn="ctr"/>
                       <a:r>
                         <a:rPr lang="en-US" sz="1200" b="1" dirty="0" smtClean="0">
+                          <a:solidFill>
+                            <a:srgbClr val="FF0000"/>
+                          </a:solidFill>
                           <a:latin typeface="Segoe UI" pitchFamily="34" charset="0"/>
                           <a:ea typeface="Segoe UI" pitchFamily="34" charset="0"/>
                           <a:cs typeface="Segoe UI" pitchFamily="34" charset="0"/>
@@ -13983,6 +14618,9 @@
                         <a:t>Y</a:t>
                       </a:r>
                       <a:endParaRPr lang="en-US" sz="1200" b="1" dirty="0">
+                        <a:solidFill>
+                          <a:srgbClr val="FF0000"/>
+                        </a:solidFill>
                         <a:latin typeface="Segoe UI" pitchFamily="34" charset="0"/>
                         <a:ea typeface="Segoe UI" pitchFamily="34" charset="0"/>
                         <a:cs typeface="Segoe UI" pitchFamily="34" charset="0"/>
@@ -13999,6 +14637,9 @@
                       <a:pPr algn="ctr"/>
                       <a:r>
                         <a:rPr lang="en-US" sz="1200" b="1" dirty="0" smtClean="0">
+                          <a:solidFill>
+                            <a:srgbClr val="FF0000"/>
+                          </a:solidFill>
                           <a:latin typeface="Segoe UI" pitchFamily="34" charset="0"/>
                           <a:ea typeface="Segoe UI" pitchFamily="34" charset="0"/>
                           <a:cs typeface="Segoe UI" pitchFamily="34" charset="0"/>
@@ -14006,6 +14647,9 @@
                         <a:t>Y</a:t>
                       </a:r>
                       <a:endParaRPr lang="en-US" sz="1200" b="1" dirty="0">
+                        <a:solidFill>
+                          <a:srgbClr val="FF0000"/>
+                        </a:solidFill>
                         <a:latin typeface="Segoe UI" pitchFamily="34" charset="0"/>
                         <a:ea typeface="Segoe UI" pitchFamily="34" charset="0"/>
                         <a:cs typeface="Segoe UI" pitchFamily="34" charset="0"/>
@@ -14022,6 +14666,84 @@
                       <a:pPr algn="ctr"/>
                       <a:r>
                         <a:rPr lang="en-US" sz="1200" b="1" dirty="0" smtClean="0">
+                          <a:solidFill>
+                            <a:srgbClr val="FF0000"/>
+                          </a:solidFill>
+                          <a:latin typeface="Segoe UI" pitchFamily="34" charset="0"/>
+                          <a:ea typeface="Segoe UI" pitchFamily="34" charset="0"/>
+                          <a:cs typeface="Segoe UI" pitchFamily="34" charset="0"/>
+                        </a:rPr>
+                        <a:t>Y</a:t>
+                      </a:r>
+                      <a:endParaRPr lang="en-US" sz="1200" b="1" dirty="0">
+                        <a:solidFill>
+                          <a:srgbClr val="FF0000"/>
+                        </a:solidFill>
+                        <a:latin typeface="Segoe UI" pitchFamily="34" charset="0"/>
+                        <a:ea typeface="Segoe UI" pitchFamily="34" charset="0"/>
+                        <a:cs typeface="Segoe UI" pitchFamily="34" charset="0"/>
+                      </a:endParaRPr>
+                    </a:p>
+                  </a:txBody>
+                  <a:tcPr/>
+                </a:tc>
+                <a:tc>
+                  <a:txBody>
+                    <a:bodyPr/>
+                    <a:lstStyle/>
+                    <a:p>
+                      <a:pPr algn="ctr"/>
+                      <a:r>
+                        <a:rPr lang="en-US" sz="1200" b="1" dirty="0" smtClean="0">
+                          <a:latin typeface="Segoe UI" pitchFamily="34" charset="0"/>
+                          <a:ea typeface="Segoe UI" pitchFamily="34" charset="0"/>
+                          <a:cs typeface="Segoe UI" pitchFamily="34" charset="0"/>
+                        </a:rPr>
+                        <a:t>Y</a:t>
+                      </a:r>
+                      <a:endParaRPr lang="en-US" sz="1200" b="1" dirty="0">
+                        <a:latin typeface="Segoe UI" pitchFamily="34" charset="0"/>
+                        <a:ea typeface="Segoe UI" pitchFamily="34" charset="0"/>
+                        <a:cs typeface="Segoe UI" pitchFamily="34" charset="0"/>
+                      </a:endParaRPr>
+                    </a:p>
+                  </a:txBody>
+                  <a:tcPr/>
+                </a:tc>
+                <a:tc>
+                  <a:txBody>
+                    <a:bodyPr/>
+                    <a:lstStyle/>
+                    <a:p>
+                      <a:pPr algn="ctr"/>
+                      <a:r>
+                        <a:rPr lang="en-US" sz="1200" b="1" dirty="0" smtClean="0">
+                          <a:latin typeface="Segoe UI" pitchFamily="34" charset="0"/>
+                          <a:ea typeface="Segoe UI" pitchFamily="34" charset="0"/>
+                          <a:cs typeface="Segoe UI" pitchFamily="34" charset="0"/>
+                        </a:rPr>
+                        <a:t>Y</a:t>
+                      </a:r>
+                      <a:endParaRPr lang="en-US" sz="1200" b="1" dirty="0">
+                        <a:latin typeface="Segoe UI" pitchFamily="34" charset="0"/>
+                        <a:ea typeface="Segoe UI" pitchFamily="34" charset="0"/>
+                        <a:cs typeface="Segoe UI" pitchFamily="34" charset="0"/>
+                      </a:endParaRPr>
+                    </a:p>
+                  </a:txBody>
+                  <a:tcPr/>
+                </a:tc>
+                <a:tc>
+                  <a:txBody>
+                    <a:bodyPr/>
+                    <a:lstStyle/>
+                    <a:p>
+                      <a:pPr algn="ctr"/>
+                      <a:r>
+                        <a:rPr lang="en-US" sz="1200" b="1" dirty="0" smtClean="0">
+                          <a:solidFill>
+                            <a:srgbClr val="FF0000"/>
+                          </a:solidFill>
                           <a:latin typeface="Segoe UI" pitchFamily="34" charset="0"/>
                           <a:ea typeface="Segoe UI" pitchFamily="34" charset="0"/>
                           <a:cs typeface="Segoe UI" pitchFamily="34" charset="0"/>
@@ -14029,6 +14751,38 @@
                         <a:t>N</a:t>
                       </a:r>
                       <a:endParaRPr lang="en-US" sz="1200" b="1" dirty="0">
+                        <a:solidFill>
+                          <a:srgbClr val="FF0000"/>
+                        </a:solidFill>
+                        <a:latin typeface="Segoe UI" pitchFamily="34" charset="0"/>
+                        <a:ea typeface="Segoe UI" pitchFamily="34" charset="0"/>
+                        <a:cs typeface="Segoe UI" pitchFamily="34" charset="0"/>
+                      </a:endParaRPr>
+                    </a:p>
+                  </a:txBody>
+                  <a:tcPr/>
+                </a:tc>
+                <a:tc>
+                  <a:txBody>
+                    <a:bodyPr/>
+                    <a:lstStyle/>
+                    <a:p>
+                      <a:pPr algn="ctr"/>
+                      <a:r>
+                        <a:rPr lang="en-US" sz="1200" b="1" dirty="0" smtClean="0">
+                          <a:solidFill>
+                            <a:srgbClr val="FF0000"/>
+                          </a:solidFill>
+                          <a:latin typeface="Segoe UI" pitchFamily="34" charset="0"/>
+                          <a:ea typeface="Segoe UI" pitchFamily="34" charset="0"/>
+                          <a:cs typeface="Segoe UI" pitchFamily="34" charset="0"/>
+                        </a:rPr>
+                        <a:t>N</a:t>
+                      </a:r>
+                      <a:endParaRPr lang="en-US" sz="1200" b="1" dirty="0">
+                        <a:solidFill>
+                          <a:srgbClr val="FF0000"/>
+                        </a:solidFill>
                         <a:latin typeface="Segoe UI" pitchFamily="34" charset="0"/>
                         <a:ea typeface="Segoe UI" pitchFamily="34" charset="0"/>
                         <a:cs typeface="Segoe UI" pitchFamily="34" charset="0"/>
@@ -14207,6 +14961,9 @@
                       <a:pPr algn="ctr"/>
                       <a:r>
                         <a:rPr lang="en-US" sz="1200" b="1" dirty="0" smtClean="0">
+                          <a:solidFill>
+                            <a:srgbClr val="FF0000"/>
+                          </a:solidFill>
                           <a:latin typeface="Segoe UI" pitchFamily="34" charset="0"/>
                           <a:ea typeface="Segoe UI" pitchFamily="34" charset="0"/>
                           <a:cs typeface="Segoe UI" pitchFamily="34" charset="0"/>
@@ -14214,6 +14971,9 @@
                         <a:t>Y</a:t>
                       </a:r>
                       <a:endParaRPr lang="en-US" sz="1200" b="1" dirty="0">
+                        <a:solidFill>
+                          <a:srgbClr val="FF0000"/>
+                        </a:solidFill>
                         <a:latin typeface="Segoe UI" pitchFamily="34" charset="0"/>
                         <a:ea typeface="Segoe UI" pitchFamily="34" charset="0"/>
                         <a:cs typeface="Segoe UI" pitchFamily="34" charset="0"/>
@@ -14230,6 +14990,9 @@
                       <a:pPr algn="ctr"/>
                       <a:r>
                         <a:rPr lang="en-US" sz="1200" b="1" dirty="0" smtClean="0">
+                          <a:solidFill>
+                            <a:srgbClr val="FF0000"/>
+                          </a:solidFill>
                           <a:latin typeface="Segoe UI" pitchFamily="34" charset="0"/>
                           <a:ea typeface="Segoe UI" pitchFamily="34" charset="0"/>
                           <a:cs typeface="Segoe UI" pitchFamily="34" charset="0"/>
@@ -14237,6 +15000,9 @@
                         <a:t>Y</a:t>
                       </a:r>
                       <a:endParaRPr lang="en-US" sz="1200" b="1" dirty="0">
+                        <a:solidFill>
+                          <a:srgbClr val="FF0000"/>
+                        </a:solidFill>
                         <a:latin typeface="Segoe UI" pitchFamily="34" charset="0"/>
                         <a:ea typeface="Segoe UI" pitchFamily="34" charset="0"/>
                         <a:cs typeface="Segoe UI" pitchFamily="34" charset="0"/>
@@ -14253,6 +15019,67 @@
                       <a:pPr algn="ctr"/>
                       <a:r>
                         <a:rPr lang="en-US" sz="1200" b="1" dirty="0" smtClean="0">
+                          <a:solidFill>
+                            <a:srgbClr val="FF0000"/>
+                          </a:solidFill>
+                          <a:latin typeface="Segoe UI" pitchFamily="34" charset="0"/>
+                          <a:ea typeface="Segoe UI" pitchFamily="34" charset="0"/>
+                          <a:cs typeface="Segoe UI" pitchFamily="34" charset="0"/>
+                        </a:rPr>
+                        <a:t>Y</a:t>
+                      </a:r>
+                      <a:endParaRPr lang="en-US" sz="1200" b="1" dirty="0">
+                        <a:solidFill>
+                          <a:srgbClr val="FF0000"/>
+                        </a:solidFill>
+                        <a:latin typeface="Segoe UI" pitchFamily="34" charset="0"/>
+                        <a:ea typeface="Segoe UI" pitchFamily="34" charset="0"/>
+                        <a:cs typeface="Segoe UI" pitchFamily="34" charset="0"/>
+                      </a:endParaRPr>
+                    </a:p>
+                  </a:txBody>
+                  <a:tcPr/>
+                </a:tc>
+                <a:tc>
+                  <a:txBody>
+                    <a:bodyPr/>
+                    <a:lstStyle/>
+                    <a:p>
+                      <a:pPr algn="ctr"/>
+                      <a:r>
+                        <a:rPr lang="en-US" sz="1200" b="1" dirty="0" smtClean="0">
+                          <a:solidFill>
+                            <a:srgbClr val="FF0000"/>
+                          </a:solidFill>
+                          <a:latin typeface="Segoe UI" pitchFamily="34" charset="0"/>
+                          <a:ea typeface="Segoe UI" pitchFamily="34" charset="0"/>
+                          <a:cs typeface="Segoe UI" pitchFamily="34" charset="0"/>
+                        </a:rPr>
+                        <a:t>Y</a:t>
+                      </a:r>
+                      <a:endParaRPr lang="en-US" sz="1200" b="1" dirty="0">
+                        <a:solidFill>
+                          <a:srgbClr val="FF0000"/>
+                        </a:solidFill>
+                        <a:latin typeface="Segoe UI" pitchFamily="34" charset="0"/>
+                        <a:ea typeface="Segoe UI" pitchFamily="34" charset="0"/>
+                        <a:cs typeface="Segoe UI" pitchFamily="34" charset="0"/>
+                      </a:endParaRPr>
+                    </a:p>
+                  </a:txBody>
+                  <a:tcPr/>
+                </a:tc>
+                <a:tc>
+                  <a:txBody>
+                    <a:bodyPr/>
+                    <a:lstStyle/>
+                    <a:p>
+                      <a:pPr algn="ctr"/>
+                      <a:r>
+                        <a:rPr lang="en-US" sz="1200" b="1" dirty="0" smtClean="0">
+                          <a:solidFill>
+                            <a:srgbClr val="FF0000"/>
+                          </a:solidFill>
                           <a:latin typeface="Segoe UI" pitchFamily="34" charset="0"/>
                           <a:ea typeface="Segoe UI" pitchFamily="34" charset="0"/>
                           <a:cs typeface="Segoe UI" pitchFamily="34" charset="0"/>
@@ -14260,6 +15087,9 @@
                         <a:t>N</a:t>
                       </a:r>
                       <a:endParaRPr lang="en-US" sz="1200" b="1" dirty="0">
+                        <a:solidFill>
+                          <a:srgbClr val="FF0000"/>
+                        </a:solidFill>
                         <a:latin typeface="Segoe UI" pitchFamily="34" charset="0"/>
                         <a:ea typeface="Segoe UI" pitchFamily="34" charset="0"/>
                         <a:cs typeface="Segoe UI" pitchFamily="34" charset="0"/>
@@ -14276,6 +15106,9 @@
                       <a:pPr algn="ctr"/>
                       <a:r>
                         <a:rPr lang="en-US" sz="1200" b="1" dirty="0" smtClean="0">
+                          <a:solidFill>
+                            <a:srgbClr val="FF0000"/>
+                          </a:solidFill>
                           <a:latin typeface="Segoe UI" pitchFamily="34" charset="0"/>
                           <a:ea typeface="Segoe UI" pitchFamily="34" charset="0"/>
                           <a:cs typeface="Segoe UI" pitchFamily="34" charset="0"/>
@@ -14283,6 +15116,9 @@
                         <a:t>N</a:t>
                       </a:r>
                       <a:endParaRPr lang="en-US" sz="1200" b="1" dirty="0">
+                        <a:solidFill>
+                          <a:srgbClr val="FF0000"/>
+                        </a:solidFill>
                         <a:latin typeface="Segoe UI" pitchFamily="34" charset="0"/>
                         <a:ea typeface="Segoe UI" pitchFamily="34" charset="0"/>
                         <a:cs typeface="Segoe UI" pitchFamily="34" charset="0"/>
@@ -14326,9 +15162,67 @@
                           <a:ea typeface="Segoe UI" pitchFamily="34" charset="0"/>
                           <a:cs typeface="Segoe UI" pitchFamily="34" charset="0"/>
                         </a:rPr>
+                        <a:t>N</a:t>
+                      </a:r>
+                      <a:endParaRPr lang="en-US" sz="1200" b="1" dirty="0">
+                        <a:latin typeface="Segoe UI" pitchFamily="34" charset="0"/>
+                        <a:ea typeface="Segoe UI" pitchFamily="34" charset="0"/>
+                        <a:cs typeface="Segoe UI" pitchFamily="34" charset="0"/>
+                      </a:endParaRPr>
+                    </a:p>
+                  </a:txBody>
+                  <a:tcPr/>
+                </a:tc>
+                <a:tc>
+                  <a:txBody>
+                    <a:bodyPr/>
+                    <a:lstStyle/>
+                    <a:p>
+                      <a:pPr algn="ctr"/>
+                      <a:r>
+                        <a:rPr lang="en-US" sz="1200" b="1" dirty="0" smtClean="0">
+                          <a:solidFill>
+                            <a:srgbClr val="FF0000"/>
+                          </a:solidFill>
+                          <a:latin typeface="Segoe UI" pitchFamily="34" charset="0"/>
+                          <a:ea typeface="Segoe UI" pitchFamily="34" charset="0"/>
+                          <a:cs typeface="Segoe UI" pitchFamily="34" charset="0"/>
+                        </a:rPr>
                         <a:t>Y</a:t>
                       </a:r>
                       <a:endParaRPr lang="en-US" sz="1200" b="1" dirty="0">
+                        <a:solidFill>
+                          <a:srgbClr val="FF0000"/>
+                        </a:solidFill>
+                        <a:latin typeface="Segoe UI" pitchFamily="34" charset="0"/>
+                        <a:ea typeface="Segoe UI" pitchFamily="34" charset="0"/>
+                        <a:cs typeface="Segoe UI" pitchFamily="34" charset="0"/>
+                      </a:endParaRPr>
+                    </a:p>
+                  </a:txBody>
+                  <a:tcPr/>
+                </a:tc>
+                <a:tc>
+                  <a:txBody>
+                    <a:bodyPr/>
+                    <a:lstStyle/>
+                    <a:p>
+                      <a:pPr algn="ctr"/>
+                      <a:r>
+                        <a:rPr lang="en-US" sz="1200" b="1" dirty="0" smtClean="0">
+                          <a:solidFill>
+                            <a:srgbClr val="FF0000"/>
+                          </a:solidFill>
+                          <a:latin typeface="Segoe UI" pitchFamily="34" charset="0"/>
+                          <a:ea typeface="Segoe UI" pitchFamily="34" charset="0"/>
+                          <a:cs typeface="Segoe UI" pitchFamily="34" charset="0"/>
+                        </a:rPr>
+                        <a:t>Y</a:t>
+                      </a:r>
+                      <a:endParaRPr lang="en-US" sz="1200" b="1" dirty="0">
+                        <a:solidFill>
+                          <a:srgbClr val="FF0000"/>
+                        </a:solidFill>
                         <a:latin typeface="Segoe UI" pitchFamily="34" charset="0"/>
                         <a:ea typeface="Segoe UI" pitchFamily="34" charset="0"/>
                         <a:cs typeface="Segoe UI" pitchFamily="34" charset="0"/>
@@ -14507,6 +15401,9 @@
                       <a:pPr algn="ctr"/>
                       <a:r>
                         <a:rPr lang="en-US" sz="1200" b="1" dirty="0" smtClean="0">
+                          <a:solidFill>
+                            <a:srgbClr val="FF0000"/>
+                          </a:solidFill>
                           <a:latin typeface="Segoe UI" pitchFamily="34" charset="0"/>
                           <a:ea typeface="Segoe UI" pitchFamily="34" charset="0"/>
                           <a:cs typeface="Segoe UI" pitchFamily="34" charset="0"/>
@@ -14514,6 +15411,9 @@
                         <a:t>Y</a:t>
                       </a:r>
                       <a:endParaRPr lang="en-US" sz="1200" b="1" dirty="0">
+                        <a:solidFill>
+                          <a:srgbClr val="FF0000"/>
+                        </a:solidFill>
                         <a:latin typeface="Segoe UI" pitchFamily="34" charset="0"/>
                         <a:ea typeface="Segoe UI" pitchFamily="34" charset="0"/>
                         <a:cs typeface="Segoe UI" pitchFamily="34" charset="0"/>
@@ -14530,6 +15430,38 @@
                       <a:pPr algn="ctr"/>
                       <a:r>
                         <a:rPr lang="en-US" sz="1200" b="1" dirty="0" smtClean="0">
+                          <a:solidFill>
+                            <a:srgbClr val="FF0000"/>
+                          </a:solidFill>
+                          <a:latin typeface="Segoe UI" pitchFamily="34" charset="0"/>
+                          <a:ea typeface="Segoe UI" pitchFamily="34" charset="0"/>
+                          <a:cs typeface="Segoe UI" pitchFamily="34" charset="0"/>
+                        </a:rPr>
+                        <a:t>Y</a:t>
+                      </a:r>
+                      <a:endParaRPr lang="en-US" sz="1200" b="1" dirty="0">
+                        <a:solidFill>
+                          <a:srgbClr val="FF0000"/>
+                        </a:solidFill>
+                        <a:latin typeface="Segoe UI" pitchFamily="34" charset="0"/>
+                        <a:ea typeface="Segoe UI" pitchFamily="34" charset="0"/>
+                        <a:cs typeface="Segoe UI" pitchFamily="34" charset="0"/>
+                      </a:endParaRPr>
+                    </a:p>
+                  </a:txBody>
+                  <a:tcPr/>
+                </a:tc>
+                <a:tc>
+                  <a:txBody>
+                    <a:bodyPr/>
+                    <a:lstStyle/>
+                    <a:p>
+                      <a:pPr algn="ctr"/>
+                      <a:r>
+                        <a:rPr lang="en-US" sz="1200" b="1" dirty="0" smtClean="0">
+                          <a:solidFill>
+                            <a:srgbClr val="FF0000"/>
+                          </a:solidFill>
                           <a:latin typeface="Segoe UI" pitchFamily="34" charset="0"/>
                           <a:ea typeface="Segoe UI" pitchFamily="34" charset="0"/>
                           <a:cs typeface="Segoe UI" pitchFamily="34" charset="0"/>
@@ -14537,6 +15469,9 @@
                         <a:t>N</a:t>
                       </a:r>
                       <a:endParaRPr lang="en-US" sz="1200" b="1" dirty="0">
+                        <a:solidFill>
+                          <a:srgbClr val="FF0000"/>
+                        </a:solidFill>
                         <a:latin typeface="Segoe UI" pitchFamily="34" charset="0"/>
                         <a:ea typeface="Segoe UI" pitchFamily="34" charset="0"/>
                         <a:cs typeface="Segoe UI" pitchFamily="34" charset="0"/>
@@ -14553,6 +15488,38 @@
                       <a:pPr algn="ctr"/>
                       <a:r>
                         <a:rPr lang="en-US" sz="1200" b="1" dirty="0" smtClean="0">
+                          <a:solidFill>
+                            <a:srgbClr val="FF0000"/>
+                          </a:solidFill>
+                          <a:latin typeface="Segoe UI" pitchFamily="34" charset="0"/>
+                          <a:ea typeface="Segoe UI" pitchFamily="34" charset="0"/>
+                          <a:cs typeface="Segoe UI" pitchFamily="34" charset="0"/>
+                        </a:rPr>
+                        <a:t>N</a:t>
+                      </a:r>
+                      <a:endParaRPr lang="en-US" sz="1200" b="1" dirty="0">
+                        <a:solidFill>
+                          <a:srgbClr val="FF0000"/>
+                        </a:solidFill>
+                        <a:latin typeface="Segoe UI" pitchFamily="34" charset="0"/>
+                        <a:ea typeface="Segoe UI" pitchFamily="34" charset="0"/>
+                        <a:cs typeface="Segoe UI" pitchFamily="34" charset="0"/>
+                      </a:endParaRPr>
+                    </a:p>
+                  </a:txBody>
+                  <a:tcPr/>
+                </a:tc>
+                <a:tc>
+                  <a:txBody>
+                    <a:bodyPr/>
+                    <a:lstStyle/>
+                    <a:p>
+                      <a:pPr algn="ctr"/>
+                      <a:r>
+                        <a:rPr lang="en-US" sz="1200" b="1" dirty="0" smtClean="0">
+                          <a:solidFill>
+                            <a:srgbClr val="FF0000"/>
+                          </a:solidFill>
                           <a:latin typeface="Segoe UI" pitchFamily="34" charset="0"/>
                           <a:ea typeface="Segoe UI" pitchFamily="34" charset="0"/>
                           <a:cs typeface="Segoe UI" pitchFamily="34" charset="0"/>
@@ -14560,6 +15527,9 @@
                         <a:t>Y</a:t>
                       </a:r>
                       <a:endParaRPr lang="en-US" sz="1200" b="1" dirty="0">
+                        <a:solidFill>
+                          <a:srgbClr val="FF0000"/>
+                        </a:solidFill>
                         <a:latin typeface="Segoe UI" pitchFamily="34" charset="0"/>
                         <a:ea typeface="Segoe UI" pitchFamily="34" charset="0"/>
                         <a:cs typeface="Segoe UI" pitchFamily="34" charset="0"/>
@@ -14576,6 +15546,35 @@
                       <a:pPr algn="ctr"/>
                       <a:r>
                         <a:rPr lang="en-US" sz="1200" b="1" dirty="0" smtClean="0">
+                          <a:solidFill>
+                            <a:srgbClr val="FF0000"/>
+                          </a:solidFill>
+                          <a:latin typeface="Segoe UI" pitchFamily="34" charset="0"/>
+                          <a:ea typeface="Segoe UI" pitchFamily="34" charset="0"/>
+                          <a:cs typeface="Segoe UI" pitchFamily="34" charset="0"/>
+                        </a:rPr>
+                        <a:t>Y</a:t>
+                      </a:r>
+                      <a:endParaRPr lang="en-US" sz="1200" b="1" dirty="0">
+                        <a:solidFill>
+                          <a:srgbClr val="FF0000"/>
+                        </a:solidFill>
+                        <a:latin typeface="Segoe UI" pitchFamily="34" charset="0"/>
+                        <a:ea typeface="Segoe UI" pitchFamily="34" charset="0"/>
+                        <a:cs typeface="Segoe UI" pitchFamily="34" charset="0"/>
+                      </a:endParaRPr>
+                    </a:p>
+                  </a:txBody>
+                  <a:tcPr/>
+                </a:tc>
+                <a:tc>
+                  <a:txBody>
+                    <a:bodyPr/>
+                    <a:lstStyle/>
+                    <a:p>
+                      <a:pPr algn="ctr"/>
+                      <a:r>
+                        <a:rPr lang="en-US" sz="1200" b="1" dirty="0" smtClean="0">
                           <a:latin typeface="Segoe UI" pitchFamily="34" charset="0"/>
                           <a:ea typeface="Segoe UI" pitchFamily="34" charset="0"/>
                           <a:cs typeface="Segoe UI" pitchFamily="34" charset="0"/>
@@ -14622,6 +15621,9 @@
                       <a:pPr algn="ctr"/>
                       <a:r>
                         <a:rPr lang="en-US" sz="1200" b="1" dirty="0" smtClean="0">
+                          <a:solidFill>
+                            <a:srgbClr val="FF0000"/>
+                          </a:solidFill>
                           <a:latin typeface="Segoe UI" pitchFamily="34" charset="0"/>
                           <a:ea typeface="Segoe UI" pitchFamily="34" charset="0"/>
                           <a:cs typeface="Segoe UI" pitchFamily="34" charset="0"/>
@@ -14629,6 +15631,38 @@
                         <a:t>Y</a:t>
                       </a:r>
                       <a:endParaRPr lang="en-US" sz="1200" b="1" dirty="0">
+                        <a:solidFill>
+                          <a:srgbClr val="FF0000"/>
+                        </a:solidFill>
+                        <a:latin typeface="Segoe UI" pitchFamily="34" charset="0"/>
+                        <a:ea typeface="Segoe UI" pitchFamily="34" charset="0"/>
+                        <a:cs typeface="Segoe UI" pitchFamily="34" charset="0"/>
+                      </a:endParaRPr>
+                    </a:p>
+                  </a:txBody>
+                  <a:tcPr/>
+                </a:tc>
+                <a:tc>
+                  <a:txBody>
+                    <a:bodyPr/>
+                    <a:lstStyle/>
+                    <a:p>
+                      <a:pPr algn="ctr"/>
+                      <a:r>
+                        <a:rPr lang="en-US" sz="1200" b="1" dirty="0" smtClean="0">
+                          <a:solidFill>
+                            <a:srgbClr val="FF0000"/>
+                          </a:solidFill>
+                          <a:latin typeface="Segoe UI" pitchFamily="34" charset="0"/>
+                          <a:ea typeface="Segoe UI" pitchFamily="34" charset="0"/>
+                          <a:cs typeface="Segoe UI" pitchFamily="34" charset="0"/>
+                        </a:rPr>
+                        <a:t>Y</a:t>
+                      </a:r>
+                      <a:endParaRPr lang="en-US" sz="1200" b="1" dirty="0">
+                        <a:solidFill>
+                          <a:srgbClr val="FF0000"/>
+                        </a:solidFill>
                         <a:latin typeface="Segoe UI" pitchFamily="34" charset="0"/>
                         <a:ea typeface="Segoe UI" pitchFamily="34" charset="0"/>
                         <a:cs typeface="Segoe UI" pitchFamily="34" charset="0"/>
@@ -14807,6 +15841,38 @@
                       <a:pPr algn="ctr"/>
                       <a:r>
                         <a:rPr lang="en-US" sz="1200" b="1" dirty="0" smtClean="0">
+                          <a:solidFill>
+                            <a:srgbClr val="FF0000"/>
+                          </a:solidFill>
+                          <a:latin typeface="Segoe UI" pitchFamily="34" charset="0"/>
+                          <a:ea typeface="Segoe UI" pitchFamily="34" charset="0"/>
+                          <a:cs typeface="Segoe UI" pitchFamily="34" charset="0"/>
+                        </a:rPr>
+                        <a:t>Y</a:t>
+                      </a:r>
+                      <a:endParaRPr lang="en-US" sz="1200" b="1" dirty="0">
+                        <a:solidFill>
+                          <a:srgbClr val="FF0000"/>
+                        </a:solidFill>
+                        <a:latin typeface="Segoe UI" pitchFamily="34" charset="0"/>
+                        <a:ea typeface="Segoe UI" pitchFamily="34" charset="0"/>
+                        <a:cs typeface="Segoe UI" pitchFamily="34" charset="0"/>
+                      </a:endParaRPr>
+                    </a:p>
+                  </a:txBody>
+                  <a:tcPr/>
+                </a:tc>
+                <a:tc>
+                  <a:txBody>
+                    <a:bodyPr/>
+                    <a:lstStyle/>
+                    <a:p>
+                      <a:pPr algn="ctr"/>
+                      <a:r>
+                        <a:rPr lang="en-US" sz="1200" b="1" dirty="0" smtClean="0">
+                          <a:solidFill>
+                            <a:srgbClr val="FF0000"/>
+                          </a:solidFill>
                           <a:latin typeface="Segoe UI" pitchFamily="34" charset="0"/>
                           <a:ea typeface="Segoe UI" pitchFamily="34" charset="0"/>
                           <a:cs typeface="Segoe UI" pitchFamily="34" charset="0"/>
@@ -14814,6 +15880,9 @@
                         <a:t>N</a:t>
                       </a:r>
                       <a:endParaRPr lang="en-US" sz="1200" b="1" dirty="0">
+                        <a:solidFill>
+                          <a:srgbClr val="FF0000"/>
+                        </a:solidFill>
                         <a:latin typeface="Segoe UI" pitchFamily="34" charset="0"/>
                         <a:ea typeface="Segoe UI" pitchFamily="34" charset="0"/>
                         <a:cs typeface="Segoe UI" pitchFamily="34" charset="0"/>
@@ -14830,6 +15899,38 @@
                       <a:pPr algn="ctr"/>
                       <a:r>
                         <a:rPr lang="en-US" sz="1200" b="1" dirty="0" smtClean="0">
+                          <a:solidFill>
+                            <a:srgbClr val="FF0000"/>
+                          </a:solidFill>
+                          <a:latin typeface="Segoe UI" pitchFamily="34" charset="0"/>
+                          <a:ea typeface="Segoe UI" pitchFamily="34" charset="0"/>
+                          <a:cs typeface="Segoe UI" pitchFamily="34" charset="0"/>
+                        </a:rPr>
+                        <a:t>Y</a:t>
+                      </a:r>
+                      <a:endParaRPr lang="en-US" sz="1200" b="1" dirty="0">
+                        <a:solidFill>
+                          <a:srgbClr val="FF0000"/>
+                        </a:solidFill>
+                        <a:latin typeface="Segoe UI" pitchFamily="34" charset="0"/>
+                        <a:ea typeface="Segoe UI" pitchFamily="34" charset="0"/>
+                        <a:cs typeface="Segoe UI" pitchFamily="34" charset="0"/>
+                      </a:endParaRPr>
+                    </a:p>
+                  </a:txBody>
+                  <a:tcPr/>
+                </a:tc>
+                <a:tc>
+                  <a:txBody>
+                    <a:bodyPr/>
+                    <a:lstStyle/>
+                    <a:p>
+                      <a:pPr algn="ctr"/>
+                      <a:r>
+                        <a:rPr lang="en-US" sz="1200" b="1" dirty="0" smtClean="0">
+                          <a:solidFill>
+                            <a:srgbClr val="FF0000"/>
+                          </a:solidFill>
                           <a:latin typeface="Segoe UI" pitchFamily="34" charset="0"/>
                           <a:ea typeface="Segoe UI" pitchFamily="34" charset="0"/>
                           <a:cs typeface="Segoe UI" pitchFamily="34" charset="0"/>
@@ -14837,6 +15938,9 @@
                         <a:t>N</a:t>
                       </a:r>
                       <a:endParaRPr lang="en-US" sz="1200" b="1" dirty="0">
+                        <a:solidFill>
+                          <a:srgbClr val="FF0000"/>
+                        </a:solidFill>
                         <a:latin typeface="Segoe UI" pitchFamily="34" charset="0"/>
                         <a:ea typeface="Segoe UI" pitchFamily="34" charset="0"/>
                         <a:cs typeface="Segoe UI" pitchFamily="34" charset="0"/>
@@ -14853,6 +15957,38 @@
                       <a:pPr algn="ctr"/>
                       <a:r>
                         <a:rPr lang="en-US" sz="1200" b="1" dirty="0" smtClean="0">
+                          <a:solidFill>
+                            <a:srgbClr val="FF0000"/>
+                          </a:solidFill>
+                          <a:latin typeface="Segoe UI" pitchFamily="34" charset="0"/>
+                          <a:ea typeface="Segoe UI" pitchFamily="34" charset="0"/>
+                          <a:cs typeface="Segoe UI" pitchFamily="34" charset="0"/>
+                        </a:rPr>
+                        <a:t>Y</a:t>
+                      </a:r>
+                      <a:endParaRPr lang="en-US" sz="1200" b="1" dirty="0">
+                        <a:solidFill>
+                          <a:srgbClr val="FF0000"/>
+                        </a:solidFill>
+                        <a:latin typeface="Segoe UI" pitchFamily="34" charset="0"/>
+                        <a:ea typeface="Segoe UI" pitchFamily="34" charset="0"/>
+                        <a:cs typeface="Segoe UI" pitchFamily="34" charset="0"/>
+                      </a:endParaRPr>
+                    </a:p>
+                  </a:txBody>
+                  <a:tcPr/>
+                </a:tc>
+                <a:tc>
+                  <a:txBody>
+                    <a:bodyPr/>
+                    <a:lstStyle/>
+                    <a:p>
+                      <a:pPr algn="ctr"/>
+                      <a:r>
+                        <a:rPr lang="en-US" sz="1200" b="1" dirty="0" smtClean="0">
+                          <a:solidFill>
+                            <a:srgbClr val="FF0000"/>
+                          </a:solidFill>
                           <a:latin typeface="Segoe UI" pitchFamily="34" charset="0"/>
                           <a:ea typeface="Segoe UI" pitchFamily="34" charset="0"/>
                           <a:cs typeface="Segoe UI" pitchFamily="34" charset="0"/>
@@ -14860,6 +15996,9 @@
                         <a:t>N</a:t>
                       </a:r>
                       <a:endParaRPr lang="en-US" sz="1200" b="1" dirty="0">
+                        <a:solidFill>
+                          <a:srgbClr val="FF0000"/>
+                        </a:solidFill>
                         <a:latin typeface="Segoe UI" pitchFamily="34" charset="0"/>
                         <a:ea typeface="Segoe UI" pitchFamily="34" charset="0"/>
                         <a:cs typeface="Segoe UI" pitchFamily="34" charset="0"/>
@@ -14922,6 +16061,38 @@
                       <a:pPr algn="ctr"/>
                       <a:r>
                         <a:rPr lang="en-US" sz="1200" b="1" dirty="0" smtClean="0">
+                          <a:solidFill>
+                            <a:srgbClr val="FF0000"/>
+                          </a:solidFill>
+                          <a:latin typeface="Segoe UI" pitchFamily="34" charset="0"/>
+                          <a:ea typeface="Segoe UI" pitchFamily="34" charset="0"/>
+                          <a:cs typeface="Segoe UI" pitchFamily="34" charset="0"/>
+                        </a:rPr>
+                        <a:t>Y</a:t>
+                      </a:r>
+                      <a:endParaRPr lang="en-US" sz="1200" b="1" dirty="0">
+                        <a:solidFill>
+                          <a:srgbClr val="FF0000"/>
+                        </a:solidFill>
+                        <a:latin typeface="Segoe UI" pitchFamily="34" charset="0"/>
+                        <a:ea typeface="Segoe UI" pitchFamily="34" charset="0"/>
+                        <a:cs typeface="Segoe UI" pitchFamily="34" charset="0"/>
+                      </a:endParaRPr>
+                    </a:p>
+                  </a:txBody>
+                  <a:tcPr/>
+                </a:tc>
+                <a:tc>
+                  <a:txBody>
+                    <a:bodyPr/>
+                    <a:lstStyle/>
+                    <a:p>
+                      <a:pPr algn="ctr"/>
+                      <a:r>
+                        <a:rPr lang="en-US" sz="1200" b="1" dirty="0" smtClean="0">
+                          <a:solidFill>
+                            <a:srgbClr val="FF0000"/>
+                          </a:solidFill>
                           <a:latin typeface="Segoe UI" pitchFamily="34" charset="0"/>
                           <a:ea typeface="Segoe UI" pitchFamily="34" charset="0"/>
                           <a:cs typeface="Segoe UI" pitchFamily="34" charset="0"/>
@@ -14929,6 +16100,9 @@
                         <a:t>N</a:t>
                       </a:r>
                       <a:endParaRPr lang="en-US" sz="1200" b="1" dirty="0">
+                        <a:solidFill>
+                          <a:srgbClr val="FF0000"/>
+                        </a:solidFill>
                         <a:latin typeface="Segoe UI" pitchFamily="34" charset="0"/>
                         <a:ea typeface="Segoe UI" pitchFamily="34" charset="0"/>
                         <a:cs typeface="Segoe UI" pitchFamily="34" charset="0"/>
@@ -15089,14 +16263,14 @@
           <p:nvPr>
             <p:extLst>
               <p:ext uri="{D42A27DB-BD31-4B8C-83A1-F6EECF244321}">
-                <p14:modId xmlns:p14="http://schemas.microsoft.com/office/powerpoint/2010/main" val="296471276"/>
+                <p14:modId xmlns:p14="http://schemas.microsoft.com/office/powerpoint/2010/main" val="965752127"/>
               </p:ext>
             </p:extLst>
           </p:nvPr>
         </p:nvGraphicFramePr>
         <p:xfrm>
-          <a:off x="1066800" y="4130842"/>
-          <a:ext cx="6756235" cy="1112520"/>
+          <a:off x="330949" y="4417873"/>
+          <a:ext cx="8493211" cy="1112520"/>
         </p:xfrm>
         <a:graphic>
           <a:graphicData uri="http://schemas.openxmlformats.org/drawingml/2006/table">
@@ -15118,6 +16292,10 @@
                 <a:gridCol w="434244"/>
                 <a:gridCol w="434244"/>
                 <a:gridCol w="434244"/>
+                <a:gridCol w="434244"/>
+                <a:gridCol w="434244"/>
+                <a:gridCol w="434244"/>
+                <a:gridCol w="434244"/>
               </a:tblGrid>
               <a:tr h="370840">
                 <a:tc>
@@ -15322,6 +16500,66 @@
                   </a:txBody>
                   <a:tcPr/>
                 </a:tc>
+                <a:tc>
+                  <a:txBody>
+                    <a:bodyPr/>
+                    <a:lstStyle/>
+                    <a:p>
+                      <a:pPr algn="ctr"/>
+                      <a:endParaRPr lang="en-US" sz="1200" dirty="0">
+                        <a:latin typeface="Segoe UI" pitchFamily="34" charset="0"/>
+                        <a:ea typeface="Segoe UI" pitchFamily="34" charset="0"/>
+                        <a:cs typeface="Segoe UI" pitchFamily="34" charset="0"/>
+                      </a:endParaRPr>
+                    </a:p>
+                  </a:txBody>
+                  <a:tcPr/>
+                </a:tc>
+                <a:tc>
+                  <a:txBody>
+                    <a:bodyPr/>
+                    <a:lstStyle/>
+                    <a:p>
+                      <a:pPr algn="ctr"/>
+                      <a:endParaRPr lang="en-US" sz="1200" dirty="0">
+                        <a:latin typeface="Segoe UI" pitchFamily="34" charset="0"/>
+                        <a:ea typeface="Segoe UI" pitchFamily="34" charset="0"/>
+                        <a:cs typeface="Segoe UI" pitchFamily="34" charset="0"/>
+                      </a:endParaRPr>
+                    </a:p>
+                  </a:txBody>
+                  <a:tcPr/>
+                </a:tc>
+                <a:tc>
+                  <a:txBody>
+                    <a:bodyPr/>
+                    <a:lstStyle/>
+                    <a:p>
+                      <a:pPr algn="ctr"/>
+                      <a:endParaRPr lang="en-US" sz="1200" dirty="0">
+                        <a:latin typeface="Segoe UI" pitchFamily="34" charset="0"/>
+                        <a:ea typeface="Segoe UI" pitchFamily="34" charset="0"/>
+                        <a:cs typeface="Segoe UI" pitchFamily="34" charset="0"/>
+                      </a:endParaRPr>
+                    </a:p>
+                  </a:txBody>
+                  <a:tcPr/>
+                </a:tc>
+                <a:tc>
+                  <a:txBody>
+                    <a:bodyPr/>
+                    <a:lstStyle/>
+                    <a:p>
+                      <a:pPr algn="ctr"/>
+                      <a:endParaRPr lang="en-US" sz="1200" dirty="0">
+                        <a:latin typeface="Segoe UI" pitchFamily="34" charset="0"/>
+                        <a:ea typeface="Segoe UI" pitchFamily="34" charset="0"/>
+                        <a:cs typeface="Segoe UI" pitchFamily="34" charset="0"/>
+                      </a:endParaRPr>
+                    </a:p>
+                  </a:txBody>
+                  <a:tcPr/>
+                </a:tc>
               </a:tr>
               <a:tr h="370840">
                 <a:tc>
@@ -15349,6 +16587,9 @@
                       <a:pPr algn="ctr"/>
                       <a:r>
                         <a:rPr lang="en-US" sz="1200" b="1" dirty="0" smtClean="0">
+                          <a:solidFill>
+                            <a:srgbClr val="FF0000"/>
+                          </a:solidFill>
                           <a:latin typeface="Segoe UI" pitchFamily="34" charset="0"/>
                           <a:ea typeface="Segoe UI" pitchFamily="34" charset="0"/>
                           <a:cs typeface="Segoe UI" pitchFamily="34" charset="0"/>
@@ -15356,6 +16597,9 @@
                         <a:t>x</a:t>
                       </a:r>
                       <a:endParaRPr lang="en-US" sz="1200" b="1" dirty="0">
+                        <a:solidFill>
+                          <a:srgbClr val="FF0000"/>
+                        </a:solidFill>
                         <a:latin typeface="Segoe UI" pitchFamily="34" charset="0"/>
                         <a:ea typeface="Segoe UI" pitchFamily="34" charset="0"/>
                         <a:cs typeface="Segoe UI" pitchFamily="34" charset="0"/>
@@ -15372,6 +16616,9 @@
                       <a:pPr algn="ctr"/>
                       <a:r>
                         <a:rPr lang="en-US" sz="1200" b="1" dirty="0" smtClean="0">
+                          <a:solidFill>
+                            <a:srgbClr val="FF0000"/>
+                          </a:solidFill>
                           <a:latin typeface="Segoe UI" pitchFamily="34" charset="0"/>
                           <a:ea typeface="Segoe UI" pitchFamily="34" charset="0"/>
                           <a:cs typeface="Segoe UI" pitchFamily="34" charset="0"/>
@@ -15379,6 +16626,9 @@
                         <a:t>x</a:t>
                       </a:r>
                       <a:endParaRPr lang="en-US" sz="1200" b="1" dirty="0">
+                        <a:solidFill>
+                          <a:srgbClr val="FF0000"/>
+                        </a:solidFill>
                         <a:latin typeface="Segoe UI" pitchFamily="34" charset="0"/>
                         <a:ea typeface="Segoe UI" pitchFamily="34" charset="0"/>
                         <a:cs typeface="Segoe UI" pitchFamily="34" charset="0"/>
@@ -15395,6 +16645,9 @@
                       <a:pPr algn="ctr"/>
                       <a:r>
                         <a:rPr lang="en-US" sz="1200" b="1" dirty="0" smtClean="0">
+                          <a:solidFill>
+                            <a:srgbClr val="FF0000"/>
+                          </a:solidFill>
                           <a:latin typeface="Segoe UI" pitchFamily="34" charset="0"/>
                           <a:ea typeface="Segoe UI" pitchFamily="34" charset="0"/>
                           <a:cs typeface="Segoe UI" pitchFamily="34" charset="0"/>
@@ -15402,6 +16655,9 @@
                         <a:t>x</a:t>
                       </a:r>
                       <a:endParaRPr lang="en-US" sz="1200" b="1" dirty="0">
+                        <a:solidFill>
+                          <a:srgbClr val="FF0000"/>
+                        </a:solidFill>
                         <a:latin typeface="Segoe UI" pitchFamily="34" charset="0"/>
                         <a:ea typeface="Segoe UI" pitchFamily="34" charset="0"/>
                         <a:cs typeface="Segoe UI" pitchFamily="34" charset="0"/>
@@ -15418,6 +16674,93 @@
                       <a:pPr algn="ctr"/>
                       <a:r>
                         <a:rPr lang="en-US" sz="1200" b="1" dirty="0" smtClean="0">
+                          <a:solidFill>
+                            <a:srgbClr val="FF0000"/>
+                          </a:solidFill>
+                          <a:latin typeface="Segoe UI" pitchFamily="34" charset="0"/>
+                          <a:ea typeface="Segoe UI" pitchFamily="34" charset="0"/>
+                          <a:cs typeface="Segoe UI" pitchFamily="34" charset="0"/>
+                        </a:rPr>
+                        <a:t>x</a:t>
+                      </a:r>
+                      <a:endParaRPr lang="en-US" sz="1200" b="1" dirty="0">
+                        <a:solidFill>
+                          <a:srgbClr val="FF0000"/>
+                        </a:solidFill>
+                        <a:latin typeface="Segoe UI" pitchFamily="34" charset="0"/>
+                        <a:ea typeface="Segoe UI" pitchFamily="34" charset="0"/>
+                        <a:cs typeface="Segoe UI" pitchFamily="34" charset="0"/>
+                      </a:endParaRPr>
+                    </a:p>
+                  </a:txBody>
+                  <a:tcPr/>
+                </a:tc>
+                <a:tc>
+                  <a:txBody>
+                    <a:bodyPr/>
+                    <a:lstStyle/>
+                    <a:p>
+                      <a:pPr algn="ctr"/>
+                      <a:r>
+                        <a:rPr lang="en-US" sz="1200" b="1" dirty="0" smtClean="0">
+                          <a:solidFill>
+                            <a:srgbClr val="FF0000"/>
+                          </a:solidFill>
+                          <a:latin typeface="Segoe UI" pitchFamily="34" charset="0"/>
+                          <a:ea typeface="Segoe UI" pitchFamily="34" charset="0"/>
+                          <a:cs typeface="Segoe UI" pitchFamily="34" charset="0"/>
+                        </a:rPr>
+                        <a:t>x</a:t>
+                      </a:r>
+                      <a:endParaRPr lang="en-US" sz="1200" b="1" dirty="0">
+                        <a:solidFill>
+                          <a:srgbClr val="FF0000"/>
+                        </a:solidFill>
+                        <a:latin typeface="Segoe UI" pitchFamily="34" charset="0"/>
+                        <a:ea typeface="Segoe UI" pitchFamily="34" charset="0"/>
+                        <a:cs typeface="Segoe UI" pitchFamily="34" charset="0"/>
+                      </a:endParaRPr>
+                    </a:p>
+                  </a:txBody>
+                  <a:tcPr/>
+                </a:tc>
+                <a:tc>
+                  <a:txBody>
+                    <a:bodyPr/>
+                    <a:lstStyle/>
+                    <a:p>
+                      <a:pPr algn="ctr"/>
+                      <a:r>
+                        <a:rPr lang="en-US" sz="1200" b="1" dirty="0" smtClean="0">
+                          <a:solidFill>
+                            <a:srgbClr val="FF0000"/>
+                          </a:solidFill>
+                          <a:latin typeface="Segoe UI" pitchFamily="34" charset="0"/>
+                          <a:ea typeface="Segoe UI" pitchFamily="34" charset="0"/>
+                          <a:cs typeface="Segoe UI" pitchFamily="34" charset="0"/>
+                        </a:rPr>
+                        <a:t>x</a:t>
+                      </a:r>
+                      <a:endParaRPr lang="en-US" sz="1200" b="1" dirty="0">
+                        <a:solidFill>
+                          <a:srgbClr val="FF0000"/>
+                        </a:solidFill>
+                        <a:latin typeface="Segoe UI" pitchFamily="34" charset="0"/>
+                        <a:ea typeface="Segoe UI" pitchFamily="34" charset="0"/>
+                        <a:cs typeface="Segoe UI" pitchFamily="34" charset="0"/>
+                      </a:endParaRPr>
+                    </a:p>
+                  </a:txBody>
+                  <a:tcPr/>
+                </a:tc>
+                <a:tc>
+                  <a:txBody>
+                    <a:bodyPr/>
+                    <a:lstStyle/>
+                    <a:p>
+                      <a:pPr algn="ctr"/>
+                      <a:r>
+                        <a:rPr lang="en-US" sz="1200" b="1" dirty="0" smtClean="0">
                           <a:latin typeface="Segoe UI" pitchFamily="34" charset="0"/>
                           <a:ea typeface="Segoe UI" pitchFamily="34" charset="0"/>
                           <a:cs typeface="Segoe UI" pitchFamily="34" charset="0"/>
@@ -15464,6 +16807,9 @@
                       <a:pPr algn="ctr"/>
                       <a:r>
                         <a:rPr lang="en-US" sz="1200" b="1" dirty="0" smtClean="0">
+                          <a:solidFill>
+                            <a:srgbClr val="FF0000"/>
+                          </a:solidFill>
                           <a:latin typeface="Segoe UI" pitchFamily="34" charset="0"/>
                           <a:ea typeface="Segoe UI" pitchFamily="34" charset="0"/>
                           <a:cs typeface="Segoe UI" pitchFamily="34" charset="0"/>
@@ -15471,6 +16817,38 @@
                         <a:t>x</a:t>
                       </a:r>
                       <a:endParaRPr lang="en-US" sz="1200" b="1" dirty="0">
+                        <a:solidFill>
+                          <a:srgbClr val="FF0000"/>
+                        </a:solidFill>
+                        <a:latin typeface="Segoe UI" pitchFamily="34" charset="0"/>
+                        <a:ea typeface="Segoe UI" pitchFamily="34" charset="0"/>
+                        <a:cs typeface="Segoe UI" pitchFamily="34" charset="0"/>
+                      </a:endParaRPr>
+                    </a:p>
+                  </a:txBody>
+                  <a:tcPr/>
+                </a:tc>
+                <a:tc>
+                  <a:txBody>
+                    <a:bodyPr/>
+                    <a:lstStyle/>
+                    <a:p>
+                      <a:pPr algn="ctr"/>
+                      <a:r>
+                        <a:rPr lang="en-US" sz="1200" b="1" dirty="0" smtClean="0">
+                          <a:solidFill>
+                            <a:srgbClr val="FF0000"/>
+                          </a:solidFill>
+                          <a:latin typeface="Segoe UI" pitchFamily="34" charset="0"/>
+                          <a:ea typeface="Segoe UI" pitchFamily="34" charset="0"/>
+                          <a:cs typeface="Segoe UI" pitchFamily="34" charset="0"/>
+                        </a:rPr>
+                        <a:t>x</a:t>
+                      </a:r>
+                      <a:endParaRPr lang="en-US" sz="1200" b="1" dirty="0">
+                        <a:solidFill>
+                          <a:srgbClr val="FF0000"/>
+                        </a:solidFill>
                         <a:latin typeface="Segoe UI" pitchFamily="34" charset="0"/>
                         <a:ea typeface="Segoe UI" pitchFamily="34" charset="0"/>
                         <a:cs typeface="Segoe UI" pitchFamily="34" charset="0"/>
@@ -15657,14 +17035,6 @@
                         <a:buFont typeface="Wingdings" panose="05000000000000000000" pitchFamily="2" charset="2"/>
                         <a:buNone/>
                       </a:pPr>
-                      <a:r>
-                        <a:rPr lang="en-US" sz="1200" b="1" dirty="0" smtClean="0">
-                          <a:latin typeface="Segoe UI" pitchFamily="34" charset="0"/>
-                          <a:ea typeface="Segoe UI" pitchFamily="34" charset="0"/>
-                          <a:cs typeface="Segoe UI" pitchFamily="34" charset="0"/>
-                        </a:rPr>
-                        <a:t>1 </a:t>
-                      </a:r>
                       <a:endParaRPr lang="en-US" sz="1200" b="1" dirty="0">
                         <a:latin typeface="Segoe UI" pitchFamily="34" charset="0"/>
                         <a:ea typeface="Segoe UI" pitchFamily="34" charset="0"/>
@@ -15683,14 +17053,6 @@
                         <a:buFont typeface="Wingdings" panose="05000000000000000000" pitchFamily="2" charset="2"/>
                         <a:buNone/>
                       </a:pPr>
-                      <a:r>
-                        <a:rPr lang="en-US" sz="1200" b="1" dirty="0" smtClean="0">
-                          <a:latin typeface="Segoe UI" pitchFamily="34" charset="0"/>
-                          <a:ea typeface="Segoe UI" pitchFamily="34" charset="0"/>
-                          <a:cs typeface="Segoe UI" pitchFamily="34" charset="0"/>
-                        </a:rPr>
-                        <a:t>2 </a:t>
-                      </a:r>
                       <a:endParaRPr lang="en-US" sz="1200" b="1" dirty="0">
                         <a:latin typeface="Segoe UI" pitchFamily="34" charset="0"/>
                         <a:ea typeface="Segoe UI" pitchFamily="34" charset="0"/>
@@ -15709,52 +17071,6 @@
                         <a:buFont typeface="Wingdings" panose="05000000000000000000" pitchFamily="2" charset="2"/>
                         <a:buNone/>
                       </a:pPr>
-                      <a:r>
-                        <a:rPr lang="en-US" sz="1200" b="1" dirty="0" smtClean="0">
-                          <a:latin typeface="Segoe UI" pitchFamily="34" charset="0"/>
-                          <a:ea typeface="Segoe UI" pitchFamily="34" charset="0"/>
-                          <a:cs typeface="Segoe UI" pitchFamily="34" charset="0"/>
-                        </a:rPr>
-                        <a:t>3 </a:t>
-                      </a:r>
-                      <a:endParaRPr lang="en-US" sz="1200" b="1" dirty="0">
-                        <a:latin typeface="Segoe UI" pitchFamily="34" charset="0"/>
-                        <a:ea typeface="Segoe UI" pitchFamily="34" charset="0"/>
-                        <a:cs typeface="Segoe UI" pitchFamily="34" charset="0"/>
-                      </a:endParaRPr>
-                    </a:p>
-                  </a:txBody>
-                  <a:tcPr/>
-                </a:tc>
-                <a:tc>
-                  <a:txBody>
-                    <a:bodyPr/>
-                    <a:lstStyle/>
-                    <a:p>
-                      <a:pPr algn="ctr"/>
-                      <a:r>
-                        <a:rPr lang="en-US" sz="1200" b="1" dirty="0" smtClean="0">
-                          <a:latin typeface="Segoe UI" pitchFamily="34" charset="0"/>
-                          <a:ea typeface="Segoe UI" pitchFamily="34" charset="0"/>
-                          <a:cs typeface="Segoe UI" pitchFamily="34" charset="0"/>
-                        </a:rPr>
-                        <a:t>?</a:t>
-                      </a:r>
-                      <a:endParaRPr lang="en-US" sz="1200" b="1" dirty="0">
-                        <a:latin typeface="Segoe UI" pitchFamily="34" charset="0"/>
-                        <a:ea typeface="Segoe UI" pitchFamily="34" charset="0"/>
-                        <a:cs typeface="Segoe UI" pitchFamily="34" charset="0"/>
-                      </a:endParaRPr>
-                    </a:p>
-                  </a:txBody>
-                  <a:tcPr/>
-                </a:tc>
-                <a:tc>
-                  <a:txBody>
-                    <a:bodyPr/>
-                    <a:lstStyle/>
-                    <a:p>
-                      <a:pPr algn="ctr"/>
                       <a:endParaRPr lang="en-US" sz="1200" b="1" dirty="0">
                         <a:latin typeface="Segoe UI" pitchFamily="34" charset="0"/>
                         <a:ea typeface="Segoe UI" pitchFamily="34" charset="0"/>
@@ -15773,14 +17089,116 @@
                         <a:buFont typeface="Wingdings" panose="05000000000000000000" pitchFamily="2" charset="2"/>
                         <a:buNone/>
                       </a:pPr>
+                      <a:endParaRPr lang="en-US" sz="1200" b="1" dirty="0">
+                        <a:latin typeface="Segoe UI" pitchFamily="34" charset="0"/>
+                        <a:ea typeface="Segoe UI" pitchFamily="34" charset="0"/>
+                        <a:cs typeface="Segoe UI" pitchFamily="34" charset="0"/>
+                      </a:endParaRPr>
+                    </a:p>
+                  </a:txBody>
+                  <a:tcPr/>
+                </a:tc>
+                <a:tc>
+                  <a:txBody>
+                    <a:bodyPr/>
+                    <a:lstStyle/>
+                    <a:p>
+                      <a:pPr marL="0" indent="0" algn="ctr">
+                        <a:buFont typeface="Wingdings" panose="05000000000000000000" pitchFamily="2" charset="2"/>
+                        <a:buNone/>
+                      </a:pPr>
+                      <a:endParaRPr lang="en-US" sz="1200" b="1" dirty="0">
+                        <a:latin typeface="Segoe UI" pitchFamily="34" charset="0"/>
+                        <a:ea typeface="Segoe UI" pitchFamily="34" charset="0"/>
+                        <a:cs typeface="Segoe UI" pitchFamily="34" charset="0"/>
+                      </a:endParaRPr>
+                    </a:p>
+                  </a:txBody>
+                  <a:tcPr/>
+                </a:tc>
+                <a:tc>
+                  <a:txBody>
+                    <a:bodyPr/>
+                    <a:lstStyle/>
+                    <a:p>
+                      <a:pPr marL="0" indent="0" algn="ctr">
+                        <a:buFont typeface="Wingdings" panose="05000000000000000000" pitchFamily="2" charset="2"/>
+                        <a:buNone/>
+                      </a:pPr>
+                      <a:endParaRPr lang="en-US" sz="1200" b="1" dirty="0">
+                        <a:latin typeface="Segoe UI" pitchFamily="34" charset="0"/>
+                        <a:ea typeface="Segoe UI" pitchFamily="34" charset="0"/>
+                        <a:cs typeface="Segoe UI" pitchFamily="34" charset="0"/>
+                      </a:endParaRPr>
+                    </a:p>
+                  </a:txBody>
+                  <a:tcPr/>
+                </a:tc>
+                <a:tc>
+                  <a:txBody>
+                    <a:bodyPr/>
+                    <a:lstStyle/>
+                    <a:p>
+                      <a:pPr algn="ctr"/>
                       <a:r>
                         <a:rPr lang="en-US" sz="1200" b="1" dirty="0" smtClean="0">
                           <a:latin typeface="Segoe UI" pitchFamily="34" charset="0"/>
                           <a:ea typeface="Segoe UI" pitchFamily="34" charset="0"/>
                           <a:cs typeface="Segoe UI" pitchFamily="34" charset="0"/>
                         </a:rPr>
-                        <a:t>4 </a:t>
-                      </a:r>
+                        <a:t>?</a:t>
+                      </a:r>
+                      <a:endParaRPr lang="en-US" sz="1200" b="1" dirty="0">
+                        <a:latin typeface="Segoe UI" pitchFamily="34" charset="0"/>
+                        <a:ea typeface="Segoe UI" pitchFamily="34" charset="0"/>
+                        <a:cs typeface="Segoe UI" pitchFamily="34" charset="0"/>
+                      </a:endParaRPr>
+                    </a:p>
+                  </a:txBody>
+                  <a:tcPr/>
+                </a:tc>
+                <a:tc>
+                  <a:txBody>
+                    <a:bodyPr/>
+                    <a:lstStyle/>
+                    <a:p>
+                      <a:pPr algn="ctr"/>
+                      <a:endParaRPr lang="en-US" sz="1200" b="1" dirty="0">
+                        <a:latin typeface="Segoe UI" pitchFamily="34" charset="0"/>
+                        <a:ea typeface="Segoe UI" pitchFamily="34" charset="0"/>
+                        <a:cs typeface="Segoe UI" pitchFamily="34" charset="0"/>
+                      </a:endParaRPr>
+                    </a:p>
+                  </a:txBody>
+                  <a:tcPr/>
+                </a:tc>
+                <a:tc>
+                  <a:txBody>
+                    <a:bodyPr/>
+                    <a:lstStyle/>
+                    <a:p>
+                      <a:pPr marL="0" indent="0" algn="ctr">
+                        <a:buFont typeface="Wingdings" panose="05000000000000000000" pitchFamily="2" charset="2"/>
+                        <a:buNone/>
+                      </a:pPr>
+                      <a:endParaRPr lang="en-US" sz="1200" b="1" dirty="0">
+                        <a:latin typeface="Segoe UI" pitchFamily="34" charset="0"/>
+                        <a:ea typeface="Segoe UI" pitchFamily="34" charset="0"/>
+                        <a:cs typeface="Segoe UI" pitchFamily="34" charset="0"/>
+                      </a:endParaRPr>
+                    </a:p>
+                  </a:txBody>
+                  <a:tcPr/>
+                </a:tc>
+                <a:tc>
+                  <a:txBody>
+                    <a:bodyPr/>
+                    <a:lstStyle/>
+                    <a:p>
+                      <a:pPr marL="0" indent="0" algn="ctr">
+                        <a:buFont typeface="Wingdings" panose="05000000000000000000" pitchFamily="2" charset="2"/>
+                        <a:buNone/>
+                      </a:pPr>
                       <a:endParaRPr lang="en-US" sz="1200" b="1" dirty="0">
                         <a:latin typeface="Segoe UI" pitchFamily="34" charset="0"/>
                         <a:ea typeface="Segoe UI" pitchFamily="34" charset="0"/>
@@ -15918,7 +17336,7 @@
         </p:nvSpPr>
         <p:spPr>
           <a:xfrm>
-            <a:off x="264976" y="1569339"/>
+            <a:off x="264976" y="1752600"/>
             <a:ext cx="8417011" cy="762000"/>
           </a:xfrm>
           <a:prstGeom prst="rect">
@@ -16081,8 +17499,8 @@
         </p:nvSpPr>
         <p:spPr>
           <a:xfrm>
-            <a:off x="320722" y="5257800"/>
-            <a:ext cx="8498024" cy="1107996"/>
+            <a:off x="311899" y="5745836"/>
+            <a:ext cx="8498024" cy="430887"/>
           </a:xfrm>
           <a:prstGeom prst="rect">
             <a:avLst/>
@@ -16094,44 +17512,46 @@
           </a:bodyPr>
           <a:lstStyle/>
           <a:p>
+            <a:pPr algn="just"/>
+            <a:r>
+              <a:rPr lang="en-US" sz="1100" b="1" dirty="0" smtClean="0">
+                <a:latin typeface="Segoe UI" panose="020B0502040204020203" pitchFamily="34" charset="0"/>
+                <a:ea typeface="Segoe UI" panose="020B0502040204020203" pitchFamily="34" charset="0"/>
+                <a:cs typeface="Segoe UI" panose="020B0502040204020203" pitchFamily="34" charset="0"/>
+              </a:rPr>
+              <a:t>? </a:t>
+            </a:r>
+            <a:r>
+              <a:rPr lang="en-US" sz="1100" b="1" dirty="0" smtClean="0">
+                <a:latin typeface="Segoe UI" panose="020B0502040204020203" pitchFamily="34" charset="0"/>
+                <a:ea typeface="Segoe UI" panose="020B0502040204020203" pitchFamily="34" charset="0"/>
+                <a:cs typeface="Segoe UI" panose="020B0502040204020203" pitchFamily="34" charset="0"/>
+              </a:rPr>
+              <a:t>- The </a:t>
+            </a:r>
             <a:r>
               <a:rPr lang="en-US" sz="1100" b="1" dirty="0">
                 <a:latin typeface="Segoe UI" panose="020B0502040204020203" pitchFamily="34" charset="0"/>
                 <a:ea typeface="Segoe UI" panose="020B0502040204020203" pitchFamily="34" charset="0"/>
                 <a:cs typeface="Segoe UI" panose="020B0502040204020203" pitchFamily="34" charset="0"/>
               </a:rPr>
-              <a:t>Error message 1 </a:t>
-            </a:r>
-            <a:r>
-              <a:rPr lang="en-US" sz="1100" dirty="0">
+              <a:t>20% </a:t>
+            </a:r>
+            <a:r>
+              <a:rPr lang="en-US" sz="1100" b="1" dirty="0" smtClean="0">
                 <a:latin typeface="Segoe UI" panose="020B0502040204020203" pitchFamily="34" charset="0"/>
                 <a:ea typeface="Segoe UI" panose="020B0502040204020203" pitchFamily="34" charset="0"/>
                 <a:cs typeface="Segoe UI" panose="020B0502040204020203" pitchFamily="34" charset="0"/>
               </a:rPr>
-              <a:t>– ‘You cannot be both a new customer and also an existing customer for more and less than a year</a:t>
-            </a:r>
-            <a:r>
-              <a:rPr lang="en-US" sz="1100" dirty="0" smtClean="0">
-                <a:latin typeface="Segoe UI" panose="020B0502040204020203" pitchFamily="34" charset="0"/>
-                <a:ea typeface="Segoe UI" panose="020B0502040204020203" pitchFamily="34" charset="0"/>
-                <a:cs typeface="Segoe UI" panose="020B0502040204020203" pitchFamily="34" charset="0"/>
-              </a:rPr>
-              <a:t>. Please try again.’</a:t>
-            </a:r>
-            <a:endParaRPr lang="en-US" sz="1100" dirty="0">
-              <a:latin typeface="Segoe UI" panose="020B0502040204020203" pitchFamily="34" charset="0"/>
-              <a:ea typeface="Segoe UI" panose="020B0502040204020203" pitchFamily="34" charset="0"/>
-              <a:cs typeface="Segoe UI" panose="020B0502040204020203" pitchFamily="34" charset="0"/>
-            </a:endParaRPr>
-          </a:p>
-          <a:p>
+              <a:t> and 35% discounts are </a:t>
+            </a:r>
             <a:r>
               <a:rPr lang="en-US" sz="1100" b="1" dirty="0">
                 <a:latin typeface="Segoe UI" panose="020B0502040204020203" pitchFamily="34" charset="0"/>
                 <a:ea typeface="Segoe UI" panose="020B0502040204020203" pitchFamily="34" charset="0"/>
                 <a:cs typeface="Segoe UI" panose="020B0502040204020203" pitchFamily="34" charset="0"/>
               </a:rPr>
-              <a:t>Error message </a:t>
+              <a:t>an </a:t>
             </a:r>
             <a:r>
               <a:rPr lang="en-US" sz="1100" b="1" dirty="0" smtClean="0">
@@ -16139,226 +17559,41 @@
                 <a:ea typeface="Segoe UI" panose="020B0502040204020203" pitchFamily="34" charset="0"/>
                 <a:cs typeface="Segoe UI" panose="020B0502040204020203" pitchFamily="34" charset="0"/>
               </a:rPr>
-              <a:t>2 </a:t>
-            </a:r>
-            <a:r>
-              <a:rPr lang="en-US" sz="1100" dirty="0" smtClean="0">
-                <a:latin typeface="Segoe UI" panose="020B0502040204020203" pitchFamily="34" charset="0"/>
-                <a:ea typeface="Segoe UI" panose="020B0502040204020203" pitchFamily="34" charset="0"/>
-                <a:cs typeface="Segoe UI" panose="020B0502040204020203" pitchFamily="34" charset="0"/>
-              </a:rPr>
-              <a:t>– ‘You </a:t>
-            </a:r>
-            <a:r>
-              <a:rPr lang="en-US" sz="1100" dirty="0">
-                <a:latin typeface="Segoe UI" panose="020B0502040204020203" pitchFamily="34" charset="0"/>
-                <a:ea typeface="Segoe UI" panose="020B0502040204020203" pitchFamily="34" charset="0"/>
-                <a:cs typeface="Segoe UI" panose="020B0502040204020203" pitchFamily="34" charset="0"/>
-              </a:rPr>
-              <a:t>cannot be both a new customer and also an existing customer for less than a year</a:t>
-            </a:r>
-            <a:r>
-              <a:rPr lang="en-US" sz="1100" dirty="0" smtClean="0">
-                <a:latin typeface="Segoe UI" panose="020B0502040204020203" pitchFamily="34" charset="0"/>
-                <a:ea typeface="Segoe UI" panose="020B0502040204020203" pitchFamily="34" charset="0"/>
-                <a:cs typeface="Segoe UI" panose="020B0502040204020203" pitchFamily="34" charset="0"/>
-              </a:rPr>
-              <a:t>. </a:t>
-            </a:r>
-            <a:r>
-              <a:rPr lang="en-US" sz="1100" dirty="0">
-                <a:latin typeface="Segoe UI" panose="020B0502040204020203" pitchFamily="34" charset="0"/>
-                <a:ea typeface="Segoe UI" panose="020B0502040204020203" pitchFamily="34" charset="0"/>
-                <a:cs typeface="Segoe UI" panose="020B0502040204020203" pitchFamily="34" charset="0"/>
-              </a:rPr>
-              <a:t>Please try again</a:t>
-            </a:r>
-            <a:r>
-              <a:rPr lang="en-US" sz="1100" dirty="0" smtClean="0">
-                <a:latin typeface="Segoe UI" panose="020B0502040204020203" pitchFamily="34" charset="0"/>
-                <a:ea typeface="Segoe UI" panose="020B0502040204020203" pitchFamily="34" charset="0"/>
-                <a:cs typeface="Segoe UI" panose="020B0502040204020203" pitchFamily="34" charset="0"/>
-              </a:rPr>
-              <a:t>.’</a:t>
-            </a:r>
-            <a:endParaRPr lang="en-US" sz="1100" dirty="0">
-              <a:latin typeface="Segoe UI" panose="020B0502040204020203" pitchFamily="34" charset="0"/>
-              <a:ea typeface="Segoe UI" panose="020B0502040204020203" pitchFamily="34" charset="0"/>
-              <a:cs typeface="Segoe UI" panose="020B0502040204020203" pitchFamily="34" charset="0"/>
-            </a:endParaRPr>
-          </a:p>
-          <a:p>
+              <a:t>assumption, </a:t>
+            </a:r>
             <a:r>
               <a:rPr lang="en-US" sz="1100" b="1" dirty="0">
                 <a:latin typeface="Segoe UI" panose="020B0502040204020203" pitchFamily="34" charset="0"/>
                 <a:ea typeface="Segoe UI" panose="020B0502040204020203" pitchFamily="34" charset="0"/>
                 <a:cs typeface="Segoe UI" panose="020B0502040204020203" pitchFamily="34" charset="0"/>
               </a:rPr>
-              <a:t>Error message 3 </a:t>
-            </a:r>
-            <a:r>
-              <a:rPr lang="en-US" sz="1100" dirty="0">
+              <a:t>and we should check that </a:t>
+            </a:r>
+            <a:r>
+              <a:rPr lang="en-US" sz="1100" b="1" dirty="0" smtClean="0">
                 <a:latin typeface="Segoe UI" panose="020B0502040204020203" pitchFamily="34" charset="0"/>
                 <a:ea typeface="Segoe UI" panose="020B0502040204020203" pitchFamily="34" charset="0"/>
                 <a:cs typeface="Segoe UI" panose="020B0502040204020203" pitchFamily="34" charset="0"/>
               </a:rPr>
-              <a:t>– ‘You cannot be both a new customer and also an existing customer for more than a year</a:t>
-            </a:r>
-            <a:r>
-              <a:rPr lang="en-US" sz="1100" dirty="0" smtClean="0">
-                <a:latin typeface="Segoe UI" panose="020B0502040204020203" pitchFamily="34" charset="0"/>
-                <a:ea typeface="Segoe UI" panose="020B0502040204020203" pitchFamily="34" charset="0"/>
-                <a:cs typeface="Segoe UI" panose="020B0502040204020203" pitchFamily="34" charset="0"/>
-              </a:rPr>
-              <a:t>.</a:t>
-            </a:r>
-            <a:r>
-              <a:rPr lang="en-US" sz="1100" dirty="0">
-                <a:latin typeface="Segoe UI" panose="020B0502040204020203" pitchFamily="34" charset="0"/>
-                <a:ea typeface="Segoe UI" panose="020B0502040204020203" pitchFamily="34" charset="0"/>
-                <a:cs typeface="Segoe UI" panose="020B0502040204020203" pitchFamily="34" charset="0"/>
-              </a:rPr>
-              <a:t> Please try again</a:t>
-            </a:r>
-            <a:r>
-              <a:rPr lang="en-US" sz="1100" dirty="0" smtClean="0">
-                <a:latin typeface="Segoe UI" panose="020B0502040204020203" pitchFamily="34" charset="0"/>
-                <a:ea typeface="Segoe UI" panose="020B0502040204020203" pitchFamily="34" charset="0"/>
-                <a:cs typeface="Segoe UI" panose="020B0502040204020203" pitchFamily="34" charset="0"/>
-              </a:rPr>
-              <a:t>.’</a:t>
-            </a:r>
-            <a:endParaRPr lang="en-US" sz="1100" dirty="0">
-              <a:latin typeface="Segoe UI" panose="020B0502040204020203" pitchFamily="34" charset="0"/>
-              <a:ea typeface="Segoe UI" panose="020B0502040204020203" pitchFamily="34" charset="0"/>
-              <a:cs typeface="Segoe UI" panose="020B0502040204020203" pitchFamily="34" charset="0"/>
-            </a:endParaRPr>
-          </a:p>
-          <a:p>
-            <a:pPr algn="just"/>
+              <a:t>these assumptions are </a:t>
+            </a:r>
             <a:r>
               <a:rPr lang="en-US" sz="1100" b="1" dirty="0">
                 <a:latin typeface="Segoe UI" panose="020B0502040204020203" pitchFamily="34" charset="0"/>
                 <a:ea typeface="Segoe UI" panose="020B0502040204020203" pitchFamily="34" charset="0"/>
                 <a:cs typeface="Segoe UI" panose="020B0502040204020203" pitchFamily="34" charset="0"/>
               </a:rPr>
-              <a:t>Error message 4</a:t>
-            </a:r>
-            <a:r>
-              <a:rPr lang="en-US" sz="1100" dirty="0">
-                <a:latin typeface="Segoe UI" panose="020B0502040204020203" pitchFamily="34" charset="0"/>
-                <a:ea typeface="Segoe UI" panose="020B0502040204020203" pitchFamily="34" charset="0"/>
-                <a:cs typeface="Segoe UI" panose="020B0502040204020203" pitchFamily="34" charset="0"/>
-              </a:rPr>
-              <a:t> – ‘You cannot be both an existing customer for less and more than a year</a:t>
-            </a:r>
-            <a:r>
-              <a:rPr lang="en-US" sz="1100" dirty="0" smtClean="0">
-                <a:latin typeface="Segoe UI" panose="020B0502040204020203" pitchFamily="34" charset="0"/>
-                <a:ea typeface="Segoe UI" panose="020B0502040204020203" pitchFamily="34" charset="0"/>
-                <a:cs typeface="Segoe UI" panose="020B0502040204020203" pitchFamily="34" charset="0"/>
-              </a:rPr>
-              <a:t>. </a:t>
-            </a:r>
-            <a:r>
-              <a:rPr lang="en-US" sz="1100" dirty="0">
-                <a:latin typeface="Segoe UI" panose="020B0502040204020203" pitchFamily="34" charset="0"/>
-                <a:ea typeface="Segoe UI" panose="020B0502040204020203" pitchFamily="34" charset="0"/>
-                <a:cs typeface="Segoe UI" panose="020B0502040204020203" pitchFamily="34" charset="0"/>
-              </a:rPr>
-              <a:t>Please try again</a:t>
-            </a:r>
-            <a:r>
-              <a:rPr lang="en-US" sz="1100" dirty="0" smtClean="0">
-                <a:latin typeface="Segoe UI" panose="020B0502040204020203" pitchFamily="34" charset="0"/>
-                <a:ea typeface="Segoe UI" panose="020B0502040204020203" pitchFamily="34" charset="0"/>
-                <a:cs typeface="Segoe UI" panose="020B0502040204020203" pitchFamily="34" charset="0"/>
-              </a:rPr>
-              <a:t>.’</a:t>
-            </a:r>
-          </a:p>
-          <a:p>
+              <a:t>correct, by asking the person who wrote the </a:t>
+            </a:r>
             <a:r>
               <a:rPr lang="en-US" sz="1100" b="1" dirty="0" smtClean="0">
                 <a:latin typeface="Segoe UI" panose="020B0502040204020203" pitchFamily="34" charset="0"/>
                 <a:ea typeface="Segoe UI" panose="020B0502040204020203" pitchFamily="34" charset="0"/>
                 <a:cs typeface="Segoe UI" panose="020B0502040204020203" pitchFamily="34" charset="0"/>
               </a:rPr>
-              <a:t>?</a:t>
-            </a:r>
-            <a:r>
-              <a:rPr lang="en-US" sz="1100" dirty="0" smtClean="0">
-                <a:latin typeface="Segoe UI" panose="020B0502040204020203" pitchFamily="34" charset="0"/>
-                <a:ea typeface="Segoe UI" panose="020B0502040204020203" pitchFamily="34" charset="0"/>
-                <a:cs typeface="Segoe UI" panose="020B0502040204020203" pitchFamily="34" charset="0"/>
-              </a:rPr>
-              <a:t> - The </a:t>
-            </a:r>
-            <a:r>
-              <a:rPr lang="en-US" sz="1100" dirty="0">
-                <a:latin typeface="Segoe UI" panose="020B0502040204020203" pitchFamily="34" charset="0"/>
-                <a:ea typeface="Segoe UI" panose="020B0502040204020203" pitchFamily="34" charset="0"/>
-                <a:cs typeface="Segoe UI" panose="020B0502040204020203" pitchFamily="34" charset="0"/>
-              </a:rPr>
-              <a:t>20% </a:t>
-            </a:r>
-            <a:r>
-              <a:rPr lang="en-US" sz="1100" dirty="0" smtClean="0">
-                <a:latin typeface="Segoe UI" panose="020B0502040204020203" pitchFamily="34" charset="0"/>
-                <a:ea typeface="Segoe UI" panose="020B0502040204020203" pitchFamily="34" charset="0"/>
-                <a:cs typeface="Segoe UI" panose="020B0502040204020203" pitchFamily="34" charset="0"/>
-              </a:rPr>
-              <a:t> and 35% discounts are </a:t>
-            </a:r>
-            <a:r>
-              <a:rPr lang="en-US" sz="1100" dirty="0">
-                <a:latin typeface="Segoe UI" panose="020B0502040204020203" pitchFamily="34" charset="0"/>
-                <a:ea typeface="Segoe UI" panose="020B0502040204020203" pitchFamily="34" charset="0"/>
-                <a:cs typeface="Segoe UI" panose="020B0502040204020203" pitchFamily="34" charset="0"/>
-              </a:rPr>
-              <a:t>an </a:t>
-            </a:r>
-            <a:r>
-              <a:rPr lang="en-US" sz="1100" dirty="0" smtClean="0">
-                <a:latin typeface="Segoe UI" panose="020B0502040204020203" pitchFamily="34" charset="0"/>
-                <a:ea typeface="Segoe UI" panose="020B0502040204020203" pitchFamily="34" charset="0"/>
-                <a:cs typeface="Segoe UI" panose="020B0502040204020203" pitchFamily="34" charset="0"/>
-              </a:rPr>
-              <a:t>assumption, </a:t>
-            </a:r>
-            <a:r>
-              <a:rPr lang="en-US" sz="1100" dirty="0">
-                <a:latin typeface="Segoe UI" panose="020B0502040204020203" pitchFamily="34" charset="0"/>
-                <a:ea typeface="Segoe UI" panose="020B0502040204020203" pitchFamily="34" charset="0"/>
-                <a:cs typeface="Segoe UI" panose="020B0502040204020203" pitchFamily="34" charset="0"/>
-              </a:rPr>
-              <a:t>and we should check that </a:t>
-            </a:r>
-            <a:r>
-              <a:rPr lang="en-US" sz="1100" dirty="0" smtClean="0">
-                <a:latin typeface="Segoe UI" panose="020B0502040204020203" pitchFamily="34" charset="0"/>
-                <a:ea typeface="Segoe UI" panose="020B0502040204020203" pitchFamily="34" charset="0"/>
-                <a:cs typeface="Segoe UI" panose="020B0502040204020203" pitchFamily="34" charset="0"/>
-              </a:rPr>
-              <a:t>these assumptions are </a:t>
-            </a:r>
-            <a:r>
-              <a:rPr lang="en-US" sz="1100" dirty="0">
-                <a:latin typeface="Segoe UI" panose="020B0502040204020203" pitchFamily="34" charset="0"/>
-                <a:ea typeface="Segoe UI" panose="020B0502040204020203" pitchFamily="34" charset="0"/>
-                <a:cs typeface="Segoe UI" panose="020B0502040204020203" pitchFamily="34" charset="0"/>
-              </a:rPr>
-              <a:t>correct, by asking the person who wrote the </a:t>
-            </a:r>
-            <a:r>
-              <a:rPr lang="en-US" sz="1100" dirty="0" smtClean="0">
-                <a:latin typeface="Segoe UI" panose="020B0502040204020203" pitchFamily="34" charset="0"/>
-                <a:ea typeface="Segoe UI" panose="020B0502040204020203" pitchFamily="34" charset="0"/>
-                <a:cs typeface="Segoe UI" panose="020B0502040204020203" pitchFamily="34" charset="0"/>
-              </a:rPr>
               <a:t>specification.</a:t>
             </a:r>
-            <a:endParaRPr lang="en-US" sz="1100" dirty="0">
+            <a:endParaRPr lang="en-US" sz="1100" b="1" dirty="0">
               <a:latin typeface="Segoe UI" panose="020B0502040204020203" pitchFamily="34" charset="0"/>
               <a:ea typeface="Segoe UI" panose="020B0502040204020203" pitchFamily="34" charset="0"/>
               <a:cs typeface="Segoe UI" panose="020B0502040204020203" pitchFamily="34" charset="0"/>
@@ -16369,7 +17604,7 @@
     </p:spTree>
     <p:extLst>
       <p:ext uri="{BB962C8B-B14F-4D97-AF65-F5344CB8AC3E}">
-        <p14:creationId xmlns:p14="http://schemas.microsoft.com/office/powerpoint/2010/main" val="3868718821"/>
+        <p14:creationId xmlns:p14="http://schemas.microsoft.com/office/powerpoint/2010/main" val="634633407"/>
       </p:ext>
     </p:extLst>
   </p:cSld>
@@ -17158,7 +18393,7 @@
         </p:nvSpPr>
         <p:spPr>
           <a:xfrm>
-            <a:off x="2305012" y="2649745"/>
+            <a:off x="2329567" y="2661883"/>
             <a:ext cx="1447800" cy="342900"/>
           </a:xfrm>
           <a:prstGeom prst="rect">
@@ -17986,8 +19221,8 @@
         </p:nvCxnSpPr>
         <p:spPr>
           <a:xfrm flipH="1">
-            <a:off x="2701953" y="2079467"/>
-            <a:ext cx="2706794" cy="675425"/>
+            <a:off x="2118196" y="2012221"/>
+            <a:ext cx="3245914" cy="835687"/>
           </a:xfrm>
           <a:prstGeom prst="straightConnector1">
             <a:avLst/>
@@ -20150,358 +21385,145 @@
       </p:grpSpPr>
       <p:sp>
         <p:nvSpPr>
-          <p:cNvPr id="2" name="Title 1"/>
+          <p:cNvPr id="9" name="Title 3"/>
           <p:cNvSpPr>
             <a:spLocks noGrp="1"/>
           </p:cNvSpPr>
           <p:nvPr>
-            <p:ph type="ctrTitle"/>
+            <p:ph type="title"/>
           </p:nvPr>
         </p:nvSpPr>
-        <p:spPr/>
+        <p:spPr>
+          <a:xfrm>
+            <a:off x="217347" y="-228600"/>
+            <a:ext cx="8229600" cy="1175385"/>
+          </a:xfrm>
+        </p:spPr>
         <p:txBody>
-          <a:bodyPr/>
+          <a:bodyPr>
+            <a:normAutofit/>
+          </a:bodyPr>
           <a:lstStyle/>
           <a:p>
             <a:r>
-              <a:rPr lang="en-US" smtClean="0"/>
-              <a:t>Thank you</a:t>
-            </a:r>
-            <a:endParaRPr lang="uk-UA"/>
+              <a:rPr lang="en-US" sz="3200" dirty="0"/>
+              <a:t>State </a:t>
+            </a:r>
+            <a:r>
+              <a:rPr lang="en-US" sz="3200" dirty="0" smtClean="0"/>
+              <a:t>Transition</a:t>
+            </a:r>
+            <a:endParaRPr lang="uk-UA" sz="3200" dirty="0"/>
           </a:p>
         </p:txBody>
       </p:sp>
       <p:sp>
         <p:nvSpPr>
-          <p:cNvPr id="3" name="Text Placeholder 2"/>
-          <p:cNvSpPr>
-            <a:spLocks noGrp="1"/>
+          <p:cNvPr id="58" name="Title 3"/>
+          <p:cNvSpPr txBox="1">
+            <a:spLocks/>
           </p:cNvSpPr>
-          <p:nvPr>
-            <p:ph type="body" sz="quarter" idx="13"/>
-          </p:nvPr>
+          <p:nvPr/>
         </p:nvSpPr>
         <p:spPr>
           <a:xfrm>
-            <a:off x="6934200" y="5105400"/>
-            <a:ext cx="1805709" cy="1676400"/>
+            <a:off x="391708" y="1447800"/>
+            <a:ext cx="8229600" cy="3276600"/>
           </a:xfrm>
+          <a:prstGeom prst="rect">
+            <a:avLst/>
+          </a:prstGeom>
         </p:spPr>
         <p:txBody>
-          <a:bodyPr>
-            <a:normAutofit fontScale="92500" lnSpcReduction="10000"/>
+          <a:bodyPr vert="horz" lIns="91440" tIns="45720" rIns="91440" bIns="45720" rtlCol="0" anchor="ctr">
+            <a:normAutofit fontScale="97500" lnSpcReduction="10000"/>
           </a:bodyPr>
-          <a:lstStyle/>
+          <a:lstStyle>
+            <a:lvl1pPr algn="l" defTabSz="0" rtl="0" eaLnBrk="1" latinLnBrk="0" hangingPunct="1">
+              <a:spcBef>
+                <a:spcPct val="0"/>
+              </a:spcBef>
+              <a:buNone/>
+              <a:defRPr lang="en-US" sz="4000" b="0" kern="1200" baseline="0">
+                <a:solidFill>
+                  <a:srgbClr val="017EB8"/>
+                </a:solidFill>
+                <a:latin typeface="Segoe UI" panose="020B0502040204020203" pitchFamily="34" charset="0"/>
+                <a:ea typeface="Segoe UI" pitchFamily="34" charset="0"/>
+                <a:cs typeface="Segoe UI" pitchFamily="34" charset="0"/>
+              </a:defRPr>
+            </a:lvl1pPr>
+          </a:lstStyle>
           <a:p>
-            <a:pPr>
-              <a:lnSpc>
-                <a:spcPct val="120000"/>
-              </a:lnSpc>
-            </a:pPr>
-            <a:r>
-              <a:rPr lang="en-US" sz="1300" b="1" dirty="0"/>
-              <a:t>USA TELEPHONE</a:t>
-            </a:r>
-            <a:endParaRPr lang="uk-UA" sz="1300" b="1" dirty="0"/>
+            <a:pPr algn="ctr"/>
+            <a:r>
+              <a:rPr lang="en-US" sz="2800" dirty="0" smtClean="0">
+                <a:solidFill>
+                  <a:schemeClr val="tx1"/>
+                </a:solidFill>
+              </a:rPr>
+              <a:t>Other Flows:</a:t>
+            </a:r>
+            <a:endParaRPr lang="en-US" sz="2800" dirty="0">
+              <a:solidFill>
+                <a:schemeClr val="tx1"/>
+              </a:solidFill>
+            </a:endParaRPr>
           </a:p>
           <a:p>
-            <a:pPr>
-              <a:lnSpc>
-                <a:spcPct val="120000"/>
-              </a:lnSpc>
-            </a:pPr>
-            <a:r>
-              <a:rPr lang="en-US" dirty="0"/>
-              <a:t>Toll-Free: 866.687.3588</a:t>
-            </a:r>
-            <a:endParaRPr lang="uk-UA" dirty="0"/>
+            <a:r>
+              <a:rPr lang="en-US" sz="2800" dirty="0" smtClean="0">
+                <a:solidFill>
+                  <a:schemeClr val="tx1"/>
+                </a:solidFill>
+              </a:rPr>
+              <a:t> </a:t>
+            </a:r>
           </a:p>
           <a:p>
-            <a:pPr>
-              <a:lnSpc>
-                <a:spcPct val="120000"/>
-              </a:lnSpc>
-            </a:pPr>
-            <a:r>
-              <a:rPr lang="en-US" dirty="0"/>
-              <a:t>Office: </a:t>
-            </a:r>
-            <a:r>
-              <a:rPr lang="en-US" dirty="0" smtClean="0"/>
-              <a:t>239.690.3111</a:t>
+            <a:pPr algn="just"/>
+            <a:r>
+              <a:rPr lang="en-US" sz="2800" dirty="0" smtClean="0">
+                <a:solidFill>
+                  <a:schemeClr val="tx1"/>
+                </a:solidFill>
+              </a:rPr>
+              <a:t>-  The message is not sent due to not enough money on the account</a:t>
             </a:r>
           </a:p>
           <a:p>
-            <a:endParaRPr lang="en-US" dirty="0" smtClean="0"/>
+            <a:pPr algn="just"/>
+            <a:r>
+              <a:rPr lang="en-US" sz="2800" dirty="0" smtClean="0">
+                <a:solidFill>
+                  <a:schemeClr val="tx1"/>
+                </a:solidFill>
+              </a:rPr>
+              <a:t>-  The user will send the message when he is out of network coverage</a:t>
+            </a:r>
           </a:p>
           <a:p>
-            <a:pPr>
-              <a:lnSpc>
-                <a:spcPct val="110000"/>
-              </a:lnSpc>
-            </a:pPr>
-            <a:r>
-              <a:rPr lang="en-US" sz="1300" b="1" dirty="0"/>
-              <a:t>UK TELEPHONE</a:t>
-            </a:r>
-          </a:p>
-          <a:p>
-            <a:pPr>
-              <a:lnSpc>
-                <a:spcPct val="110000"/>
-              </a:lnSpc>
-            </a:pPr>
-            <a:r>
-              <a:rPr lang="en-US" dirty="0"/>
-              <a:t>Tel: </a:t>
-            </a:r>
-            <a:r>
-              <a:rPr lang="en-US" dirty="0" smtClean="0"/>
-              <a:t>0207.544.8414</a:t>
-            </a:r>
-          </a:p>
-          <a:p>
-            <a:endParaRPr lang="en-US" dirty="0"/>
-          </a:p>
-          <a:p>
-            <a:pPr>
-              <a:lnSpc>
-                <a:spcPct val="110000"/>
-              </a:lnSpc>
-            </a:pPr>
-            <a:r>
-              <a:rPr lang="en-US" sz="1300" b="1" dirty="0" smtClean="0"/>
-              <a:t>GERMAN </a:t>
-            </a:r>
-            <a:r>
-              <a:rPr lang="en-US" sz="1300" b="1" dirty="0"/>
-              <a:t>TELEPHONE </a:t>
-            </a:r>
-          </a:p>
-          <a:p>
-            <a:pPr>
-              <a:lnSpc>
-                <a:spcPct val="110000"/>
-              </a:lnSpc>
-            </a:pPr>
-            <a:r>
-              <a:rPr lang="en-US" dirty="0"/>
-              <a:t>Tel: 0692.602.5857</a:t>
-            </a:r>
-          </a:p>
-          <a:p>
-            <a:endParaRPr lang="uk-UA" dirty="0"/>
-          </a:p>
-          <a:p>
-            <a:endParaRPr lang="uk-UA" dirty="0"/>
-          </a:p>
-        </p:txBody>
-      </p:sp>
-      <p:sp>
-        <p:nvSpPr>
-          <p:cNvPr id="4" name="Text Placeholder 3"/>
-          <p:cNvSpPr>
-            <a:spLocks noGrp="1"/>
-          </p:cNvSpPr>
-          <p:nvPr>
-            <p:ph type="body" sz="quarter" idx="14"/>
-          </p:nvPr>
-        </p:nvSpPr>
-        <p:spPr>
-          <a:xfrm>
-            <a:off x="4775200" y="5105400"/>
-            <a:ext cx="1805709" cy="1295400"/>
-          </a:xfrm>
-        </p:spPr>
-        <p:txBody>
-          <a:bodyPr/>
-          <a:lstStyle/>
-          <a:p>
-            <a:r>
-              <a:rPr lang="en-US" b="1" dirty="0"/>
-              <a:t>EMAIL</a:t>
-            </a:r>
-            <a:endParaRPr lang="uk-UA" b="1" dirty="0"/>
-          </a:p>
-          <a:p>
-            <a:r>
-              <a:rPr lang="en-US" sz="1100" u="sng" dirty="0">
-                <a:hlinkClick r:id="rId3"/>
+            <a:pPr algn="just"/>
+            <a:r>
+              <a:rPr lang="en-US" sz="2800" dirty="0" smtClean="0">
+                <a:solidFill>
+                  <a:schemeClr val="tx1"/>
+                </a:solidFill>
               </a:rPr>
-              <a:t>info@softserveinc.com</a:t>
-            </a:r>
-            <a:endParaRPr lang="uk-UA" sz="1100" dirty="0"/>
-          </a:p>
-          <a:p>
-            <a:r>
-              <a:rPr lang="en-US" dirty="0"/>
-              <a:t> </a:t>
-            </a:r>
-            <a:endParaRPr lang="uk-UA" dirty="0"/>
-          </a:p>
-          <a:p>
-            <a:r>
-              <a:rPr lang="en-US" b="1" dirty="0"/>
-              <a:t>WEBSITE:</a:t>
-            </a:r>
-            <a:endParaRPr lang="uk-UA" b="1" dirty="0"/>
-          </a:p>
-          <a:p>
-            <a:r>
-              <a:rPr lang="en-US" sz="1100" u="sng" dirty="0">
-                <a:hlinkClick r:id="rId4"/>
-              </a:rPr>
-              <a:t>www.softserveinc.com</a:t>
-            </a:r>
-            <a:r>
-              <a:rPr lang="en-US" sz="1100" dirty="0">
-                <a:hlinkClick r:id="rId4"/>
-              </a:rPr>
-              <a:t> </a:t>
-            </a:r>
-            <a:endParaRPr lang="uk-UA" sz="1100" dirty="0"/>
-          </a:p>
-          <a:p>
-            <a:endParaRPr lang="uk-UA" dirty="0"/>
-          </a:p>
-        </p:txBody>
-      </p:sp>
-      <p:sp>
-        <p:nvSpPr>
-          <p:cNvPr id="5" name="Text Placeholder 4"/>
-          <p:cNvSpPr>
-            <a:spLocks noGrp="1"/>
-          </p:cNvSpPr>
-          <p:nvPr>
-            <p:ph type="body" sz="quarter" idx="15"/>
-          </p:nvPr>
-        </p:nvSpPr>
-        <p:spPr>
-          <a:xfrm>
-            <a:off x="2616200" y="5105400"/>
-            <a:ext cx="1805709" cy="1295400"/>
-          </a:xfrm>
-        </p:spPr>
-        <p:txBody>
-          <a:bodyPr/>
-          <a:lstStyle/>
-          <a:p>
-            <a:r>
-              <a:rPr lang="en-US" b="1" dirty="0"/>
-              <a:t>EUROPE OFFICES</a:t>
-            </a:r>
-            <a:endParaRPr lang="uk-UA" b="1" dirty="0"/>
-          </a:p>
-          <a:p>
-            <a:r>
-              <a:rPr lang="en-US" sz="1100" dirty="0"/>
-              <a:t>United Kingdom</a:t>
-            </a:r>
-            <a:endParaRPr lang="uk-UA" sz="1100" dirty="0"/>
-          </a:p>
-          <a:p>
-            <a:r>
-              <a:rPr lang="en-US" sz="1100" dirty="0"/>
-              <a:t>Germany</a:t>
-            </a:r>
-            <a:endParaRPr lang="uk-UA" sz="1100" dirty="0"/>
-          </a:p>
-          <a:p>
-            <a:r>
-              <a:rPr lang="en-US" sz="1100" dirty="0"/>
-              <a:t>The Netherlands</a:t>
-            </a:r>
-            <a:endParaRPr lang="uk-UA" sz="1100" dirty="0"/>
-          </a:p>
-          <a:p>
-            <a:r>
-              <a:rPr lang="en-US" sz="1100" dirty="0"/>
-              <a:t>Ukraine</a:t>
-            </a:r>
-            <a:endParaRPr lang="uk-UA" sz="1100" dirty="0"/>
-          </a:p>
-          <a:p>
-            <a:r>
-              <a:rPr lang="en-US" sz="1100" dirty="0"/>
-              <a:t>Bulgaria</a:t>
-            </a:r>
-            <a:endParaRPr lang="uk-UA" sz="1100" dirty="0"/>
-          </a:p>
-          <a:p>
-            <a:endParaRPr lang="uk-UA" dirty="0"/>
-          </a:p>
-        </p:txBody>
-      </p:sp>
-      <p:sp>
-        <p:nvSpPr>
-          <p:cNvPr id="6" name="Text Placeholder 5"/>
-          <p:cNvSpPr>
-            <a:spLocks noGrp="1"/>
-          </p:cNvSpPr>
-          <p:nvPr>
-            <p:ph type="body" sz="quarter" idx="16"/>
-          </p:nvPr>
-        </p:nvSpPr>
-        <p:spPr>
-          <a:xfrm>
-            <a:off x="457200" y="5105400"/>
-            <a:ext cx="1805709" cy="1295400"/>
-          </a:xfrm>
-        </p:spPr>
-        <p:txBody>
-          <a:bodyPr/>
-          <a:lstStyle/>
-          <a:p>
-            <a:r>
-              <a:rPr lang="en-US" b="1" dirty="0"/>
-              <a:t>US OFFICES</a:t>
-            </a:r>
-            <a:endParaRPr lang="uk-UA" b="1" dirty="0"/>
-          </a:p>
-          <a:p>
-            <a:r>
-              <a:rPr lang="en-US" sz="1100" dirty="0"/>
-              <a:t>Austin, TX</a:t>
-            </a:r>
-            <a:endParaRPr lang="uk-UA" sz="1100" dirty="0"/>
-          </a:p>
-          <a:p>
-            <a:r>
-              <a:rPr lang="en-US" sz="1100" dirty="0"/>
-              <a:t>Fort Myers, FL</a:t>
-            </a:r>
-            <a:endParaRPr lang="uk-UA" sz="1100" dirty="0"/>
-          </a:p>
-          <a:p>
-            <a:r>
-              <a:rPr lang="en-US" sz="1100" dirty="0"/>
-              <a:t>Boston, MA</a:t>
-            </a:r>
-            <a:endParaRPr lang="uk-UA" sz="1100" dirty="0"/>
-          </a:p>
-          <a:p>
-            <a:r>
-              <a:rPr lang="en-US" sz="1100" dirty="0"/>
-              <a:t>Newport Beach, CA</a:t>
-            </a:r>
-            <a:endParaRPr lang="uk-UA" sz="1100" dirty="0"/>
-          </a:p>
-          <a:p>
-            <a:r>
-              <a:rPr lang="en-US" sz="1100" dirty="0"/>
-              <a:t>Salt Lake City, UT</a:t>
-            </a:r>
-            <a:endParaRPr lang="uk-UA" sz="1100" dirty="0"/>
-          </a:p>
-          <a:p>
-            <a:endParaRPr lang="uk-UA" dirty="0"/>
+              <a:t>- The cell phone is turned off during message creation, because of low charge </a:t>
+            </a:r>
+            <a:endParaRPr lang="en-US" sz="2800" dirty="0">
+              <a:solidFill>
+                <a:schemeClr val="tx1"/>
+              </a:solidFill>
+            </a:endParaRPr>
           </a:p>
         </p:txBody>
       </p:sp>
     </p:spTree>
     <p:extLst>
       <p:ext uri="{BB962C8B-B14F-4D97-AF65-F5344CB8AC3E}">
-        <p14:creationId xmlns:p14="http://schemas.microsoft.com/office/powerpoint/2010/main" val="137063417"/>
+        <p14:creationId xmlns:p14="http://schemas.microsoft.com/office/powerpoint/2010/main" val="3070748023"/>
       </p:ext>
     </p:extLst>
   </p:cSld>
